--- a/Submissions/SIS_Challenge.pptx
+++ b/Submissions/SIS_Challenge.pptx
@@ -37,6 +37,8 @@
     <p:sldId id="282" r:id="rId33"/>
     <p:sldId id="283" r:id="rId34"/>
     <p:sldId id="284" r:id="rId35"/>
+    <p:sldId id="285" r:id="rId36"/>
+    <p:sldId id="286" r:id="rId37"/>
   </p:sldIdLst>
   <p:sldSz cy="5143500" cx="9144000"/>
   <p:notesSz cx="6858000" cy="9144000"/>
@@ -1921,7 +1923,7 @@
       </p:grpSpPr>
       <p:sp>
         <p:nvSpPr>
-          <p:cNvPr id="171" name="Google Shape;171;g8c660f642c_0_0:notes"/>
+          <p:cNvPr id="171" name="Google Shape;171;g8c660f642c_0_83:notes"/>
           <p:cNvSpPr/>
           <p:nvPr>
             <p:ph idx="2" type="sldImg"/>
@@ -1956,7 +1958,7 @@
       </p:sp>
       <p:sp>
         <p:nvSpPr>
-          <p:cNvPr id="172" name="Google Shape;172;g8c660f642c_0_0:notes"/>
+          <p:cNvPr id="172" name="Google Shape;172;g8c660f642c_0_83:notes"/>
           <p:cNvSpPr txBox="1"/>
           <p:nvPr>
             <p:ph idx="1" type="body"/>
@@ -2020,7 +2022,7 @@
       </p:grpSpPr>
       <p:sp>
         <p:nvSpPr>
-          <p:cNvPr id="177" name="Google Shape;177;g8c660f642c_0_16:notes"/>
+          <p:cNvPr id="177" name="Google Shape;177;g8c660f642c_0_0:notes"/>
           <p:cNvSpPr/>
           <p:nvPr>
             <p:ph idx="2" type="sldImg"/>
@@ -2055,7 +2057,7 @@
       </p:sp>
       <p:sp>
         <p:nvSpPr>
-          <p:cNvPr id="178" name="Google Shape;178;g8c660f642c_0_16:notes"/>
+          <p:cNvPr id="178" name="Google Shape;178;g8c660f642c_0_0:notes"/>
           <p:cNvSpPr txBox="1"/>
           <p:nvPr>
             <p:ph idx="1" type="body"/>
@@ -2105,7 +2107,7 @@
   <p:cSld>
     <p:spTree>
       <p:nvGrpSpPr>
-        <p:cNvPr id="183" name="Shape 183"/>
+        <p:cNvPr id="182" name="Shape 182"/>
         <p:cNvGrpSpPr/>
         <p:nvPr/>
       </p:nvGrpSpPr>
@@ -2119,7 +2121,7 @@
       </p:grpSpPr>
       <p:sp>
         <p:nvSpPr>
-          <p:cNvPr id="184" name="Google Shape;184;g8c660f642c_0_21:notes"/>
+          <p:cNvPr id="183" name="Google Shape;183;g8c660f642c_0_16:notes"/>
           <p:cNvSpPr/>
           <p:nvPr>
             <p:ph idx="2" type="sldImg"/>
@@ -2154,7 +2156,7 @@
       </p:sp>
       <p:sp>
         <p:nvSpPr>
-          <p:cNvPr id="185" name="Google Shape;185;g8c660f642c_0_21:notes"/>
+          <p:cNvPr id="184" name="Google Shape;184;g8c660f642c_0_16:notes"/>
           <p:cNvSpPr txBox="1"/>
           <p:nvPr>
             <p:ph idx="1" type="body"/>
@@ -2218,7 +2220,7 @@
       </p:grpSpPr>
       <p:sp>
         <p:nvSpPr>
-          <p:cNvPr id="190" name="Google Shape;190;g8c660f642c_0_68:notes"/>
+          <p:cNvPr id="190" name="Google Shape;190;g8c660f642c_0_21:notes"/>
           <p:cNvSpPr/>
           <p:nvPr>
             <p:ph idx="2" type="sldImg"/>
@@ -2253,7 +2255,7 @@
       </p:sp>
       <p:sp>
         <p:nvSpPr>
-          <p:cNvPr id="191" name="Google Shape;191;g8c660f642c_0_68:notes"/>
+          <p:cNvPr id="191" name="Google Shape;191;g8c660f642c_0_21:notes"/>
           <p:cNvSpPr txBox="1"/>
           <p:nvPr>
             <p:ph idx="1" type="body"/>
@@ -2317,7 +2319,7 @@
       </p:grpSpPr>
       <p:sp>
         <p:nvSpPr>
-          <p:cNvPr id="196" name="Google Shape;196;g865f222207_0_15:notes"/>
+          <p:cNvPr id="196" name="Google Shape;196;g8c660f642c_0_68:notes"/>
           <p:cNvSpPr/>
           <p:nvPr>
             <p:ph idx="2" type="sldImg"/>
@@ -2352,7 +2354,7 @@
       </p:sp>
       <p:sp>
         <p:nvSpPr>
-          <p:cNvPr id="197" name="Google Shape;197;g865f222207_0_15:notes"/>
+          <p:cNvPr id="197" name="Google Shape;197;g8c660f642c_0_68:notes"/>
           <p:cNvSpPr txBox="1"/>
           <p:nvPr>
             <p:ph idx="1" type="body"/>
@@ -2416,7 +2418,7 @@
       </p:grpSpPr>
       <p:sp>
         <p:nvSpPr>
-          <p:cNvPr id="202" name="Google Shape;202;g865f222207_0_129:notes"/>
+          <p:cNvPr id="202" name="Google Shape;202;g865f222207_0_15:notes"/>
           <p:cNvSpPr/>
           <p:nvPr>
             <p:ph idx="2" type="sldImg"/>
@@ -2451,7 +2453,7 @@
       </p:sp>
       <p:sp>
         <p:nvSpPr>
-          <p:cNvPr id="203" name="Google Shape;203;g865f222207_0_129:notes"/>
+          <p:cNvPr id="203" name="Google Shape;203;g865f222207_0_15:notes"/>
           <p:cNvSpPr txBox="1"/>
           <p:nvPr>
             <p:ph idx="1" type="body"/>
@@ -2515,7 +2517,7 @@
       </p:grpSpPr>
       <p:sp>
         <p:nvSpPr>
-          <p:cNvPr id="208" name="Google Shape;208;g865f222207_0_156:notes"/>
+          <p:cNvPr id="208" name="Google Shape;208;g865f222207_0_129:notes"/>
           <p:cNvSpPr/>
           <p:nvPr>
             <p:ph idx="2" type="sldImg"/>
@@ -2550,7 +2552,7 @@
       </p:sp>
       <p:sp>
         <p:nvSpPr>
-          <p:cNvPr id="209" name="Google Shape;209;g865f222207_0_156:notes"/>
+          <p:cNvPr id="209" name="Google Shape;209;g865f222207_0_129:notes"/>
           <p:cNvSpPr txBox="1"/>
           <p:nvPr>
             <p:ph idx="1" type="body"/>
@@ -2600,7 +2602,7 @@
   <p:cSld>
     <p:spTree>
       <p:nvGrpSpPr>
-        <p:cNvPr id="214" name="Shape 214"/>
+        <p:cNvPr id="213" name="Shape 213"/>
         <p:cNvGrpSpPr/>
         <p:nvPr/>
       </p:nvGrpSpPr>
@@ -2614,7 +2616,7 @@
       </p:grpSpPr>
       <p:sp>
         <p:nvSpPr>
-          <p:cNvPr id="215" name="Google Shape;215;g865f222207_0_161:notes"/>
+          <p:cNvPr id="214" name="Google Shape;214;g865f222207_0_156:notes"/>
           <p:cNvSpPr/>
           <p:nvPr>
             <p:ph idx="2" type="sldImg"/>
@@ -2649,7 +2651,7 @@
       </p:sp>
       <p:sp>
         <p:nvSpPr>
-          <p:cNvPr id="216" name="Google Shape;216;g865f222207_0_161:notes"/>
+          <p:cNvPr id="215" name="Google Shape;215;g865f222207_0_156:notes"/>
           <p:cNvSpPr txBox="1"/>
           <p:nvPr>
             <p:ph idx="1" type="body"/>
@@ -2713,7 +2715,7 @@
       </p:grpSpPr>
       <p:sp>
         <p:nvSpPr>
-          <p:cNvPr id="221" name="Google Shape;221;g8c660f642c_0_26:notes"/>
+          <p:cNvPr id="221" name="Google Shape;221;g865f222207_0_161:notes"/>
           <p:cNvSpPr/>
           <p:nvPr>
             <p:ph idx="2" type="sldImg"/>
@@ -2748,7 +2750,7 @@
       </p:sp>
       <p:sp>
         <p:nvSpPr>
-          <p:cNvPr id="222" name="Google Shape;222;g8c660f642c_0_26:notes"/>
+          <p:cNvPr id="222" name="Google Shape;222;g865f222207_0_161:notes"/>
           <p:cNvSpPr txBox="1"/>
           <p:nvPr>
             <p:ph idx="1" type="body"/>
@@ -2812,7 +2814,7 @@
       </p:grpSpPr>
       <p:sp>
         <p:nvSpPr>
-          <p:cNvPr id="227" name="Google Shape;227;g865f222207_0_171:notes"/>
+          <p:cNvPr id="227" name="Google Shape;227;g8c660f642c_0_77:notes"/>
           <p:cNvSpPr/>
           <p:nvPr>
             <p:ph idx="2" type="sldImg"/>
@@ -2847,7 +2849,7 @@
       </p:sp>
       <p:sp>
         <p:nvSpPr>
-          <p:cNvPr id="228" name="Google Shape;228;g865f222207_0_171:notes"/>
+          <p:cNvPr id="228" name="Google Shape;228;g8c660f642c_0_77:notes"/>
           <p:cNvSpPr txBox="1"/>
           <p:nvPr>
             <p:ph idx="1" type="body"/>
@@ -2947,6 +2949,204 @@
       <p:sp>
         <p:nvSpPr>
           <p:cNvPr id="64" name="Google Shape;64;g865f222207_0_60:notes"/>
+          <p:cNvSpPr txBox="1"/>
+          <p:nvPr>
+            <p:ph idx="1" type="body"/>
+          </p:nvPr>
+        </p:nvSpPr>
+        <p:spPr>
+          <a:xfrm>
+            <a:off x="685800" y="4343400"/>
+            <a:ext cx="5486400" cy="4114800"/>
+          </a:xfrm>
+          <a:prstGeom prst="rect">
+            <a:avLst/>
+          </a:prstGeom>
+        </p:spPr>
+        <p:txBody>
+          <a:bodyPr anchorCtr="0" anchor="t" bIns="91425" lIns="91425" spcFirstLastPara="1" rIns="91425" wrap="square" tIns="91425">
+            <a:noAutofit/>
+          </a:bodyPr>
+          <a:lstStyle/>
+          <a:p>
+            <a:pPr indent="0" lvl="0" marL="0" rtl="0" algn="l">
+              <a:spcBef>
+                <a:spcPts val="0"/>
+              </a:spcBef>
+              <a:spcAft>
+                <a:spcPts val="0"/>
+              </a:spcAft>
+              <a:buNone/>
+            </a:pPr>
+            <a:r>
+              <a:t/>
+            </a:r>
+            <a:endParaRPr/>
+          </a:p>
+        </p:txBody>
+      </p:sp>
+    </p:spTree>
+  </p:cSld>
+  <p:clrMapOvr>
+    <a:masterClrMapping/>
+  </p:clrMapOvr>
+</p:notes>
+</file>
+
+<file path=ppt/notesSlides/notesSlide30.xml><?xml version="1.0" encoding="utf-8"?>
+<p:notes xmlns:a="http://schemas.openxmlformats.org/drawingml/2006/main" xmlns:r="http://schemas.openxmlformats.org/officeDocument/2006/relationships" xmlns:mc="http://schemas.openxmlformats.org/markup-compatibility/2006" xmlns:mv="urn:schemas-microsoft-com:mac:vml" xmlns:p="http://schemas.openxmlformats.org/presentationml/2006/main" xmlns:c="http://schemas.openxmlformats.org/drawingml/2006/chart" xmlns:dgm="http://schemas.openxmlformats.org/drawingml/2006/diagram" xmlns:o="urn:schemas-microsoft-com:office:office" xmlns:v="urn:schemas-microsoft-com:vml" xmlns:pvml="urn:schemas-microsoft-com:office:powerpoint" xmlns:com="http://schemas.openxmlformats.org/drawingml/2006/compatibility" xmlns:p14="http://schemas.microsoft.com/office/powerpoint/2010/main" xmlns:p15="http://schemas.microsoft.com/office/powerpoint/2012/main" showMasterPhAnim="0" showMasterSp="0">
+  <p:cSld>
+    <p:spTree>
+      <p:nvGrpSpPr>
+        <p:cNvPr id="232" name="Shape 232"/>
+        <p:cNvGrpSpPr/>
+        <p:nvPr/>
+      </p:nvGrpSpPr>
+      <p:grpSpPr>
+        <a:xfrm>
+          <a:off x="0" y="0"/>
+          <a:ext cx="0" cy="0"/>
+          <a:chOff x="0" y="0"/>
+          <a:chExt cx="0" cy="0"/>
+        </a:xfrm>
+      </p:grpSpPr>
+      <p:sp>
+        <p:nvSpPr>
+          <p:cNvPr id="233" name="Google Shape;233;g8c660f642c_0_26:notes"/>
+          <p:cNvSpPr/>
+          <p:nvPr>
+            <p:ph idx="2" type="sldImg"/>
+          </p:nvPr>
+        </p:nvSpPr>
+        <p:spPr>
+          <a:xfrm>
+            <a:off x="381300" y="685800"/>
+            <a:ext cx="6096000" cy="3429000"/>
+          </a:xfrm>
+          <a:custGeom>
+            <a:rect b="b" l="l" r="r" t="t"/>
+            <a:pathLst>
+              <a:path extrusionOk="0" h="120000" w="120000">
+                <a:moveTo>
+                  <a:pt x="0" y="0"/>
+                </a:moveTo>
+                <a:lnTo>
+                  <a:pt x="120000" y="0"/>
+                </a:lnTo>
+                <a:lnTo>
+                  <a:pt x="120000" y="120000"/>
+                </a:lnTo>
+                <a:lnTo>
+                  <a:pt x="0" y="120000"/>
+                </a:lnTo>
+                <a:close/>
+              </a:path>
+            </a:pathLst>
+          </a:custGeom>
+        </p:spPr>
+      </p:sp>
+      <p:sp>
+        <p:nvSpPr>
+          <p:cNvPr id="234" name="Google Shape;234;g8c660f642c_0_26:notes"/>
+          <p:cNvSpPr txBox="1"/>
+          <p:nvPr>
+            <p:ph idx="1" type="body"/>
+          </p:nvPr>
+        </p:nvSpPr>
+        <p:spPr>
+          <a:xfrm>
+            <a:off x="685800" y="4343400"/>
+            <a:ext cx="5486400" cy="4114800"/>
+          </a:xfrm>
+          <a:prstGeom prst="rect">
+            <a:avLst/>
+          </a:prstGeom>
+        </p:spPr>
+        <p:txBody>
+          <a:bodyPr anchorCtr="0" anchor="t" bIns="91425" lIns="91425" spcFirstLastPara="1" rIns="91425" wrap="square" tIns="91425">
+            <a:noAutofit/>
+          </a:bodyPr>
+          <a:lstStyle/>
+          <a:p>
+            <a:pPr indent="0" lvl="0" marL="0" rtl="0" algn="l">
+              <a:spcBef>
+                <a:spcPts val="0"/>
+              </a:spcBef>
+              <a:spcAft>
+                <a:spcPts val="0"/>
+              </a:spcAft>
+              <a:buNone/>
+            </a:pPr>
+            <a:r>
+              <a:t/>
+            </a:r>
+            <a:endParaRPr/>
+          </a:p>
+        </p:txBody>
+      </p:sp>
+    </p:spTree>
+  </p:cSld>
+  <p:clrMapOvr>
+    <a:masterClrMapping/>
+  </p:clrMapOvr>
+</p:notes>
+</file>
+
+<file path=ppt/notesSlides/notesSlide31.xml><?xml version="1.0" encoding="utf-8"?>
+<p:notes xmlns:a="http://schemas.openxmlformats.org/drawingml/2006/main" xmlns:r="http://schemas.openxmlformats.org/officeDocument/2006/relationships" xmlns:mc="http://schemas.openxmlformats.org/markup-compatibility/2006" xmlns:mv="urn:schemas-microsoft-com:mac:vml" xmlns:p="http://schemas.openxmlformats.org/presentationml/2006/main" xmlns:c="http://schemas.openxmlformats.org/drawingml/2006/chart" xmlns:dgm="http://schemas.openxmlformats.org/drawingml/2006/diagram" xmlns:o="urn:schemas-microsoft-com:office:office" xmlns:v="urn:schemas-microsoft-com:vml" xmlns:pvml="urn:schemas-microsoft-com:office:powerpoint" xmlns:com="http://schemas.openxmlformats.org/drawingml/2006/compatibility" xmlns:p14="http://schemas.microsoft.com/office/powerpoint/2010/main" xmlns:p15="http://schemas.microsoft.com/office/powerpoint/2012/main" showMasterPhAnim="0" showMasterSp="0">
+  <p:cSld>
+    <p:spTree>
+      <p:nvGrpSpPr>
+        <p:cNvPr id="238" name="Shape 238"/>
+        <p:cNvGrpSpPr/>
+        <p:nvPr/>
+      </p:nvGrpSpPr>
+      <p:grpSpPr>
+        <a:xfrm>
+          <a:off x="0" y="0"/>
+          <a:ext cx="0" cy="0"/>
+          <a:chOff x="0" y="0"/>
+          <a:chExt cx="0" cy="0"/>
+        </a:xfrm>
+      </p:grpSpPr>
+      <p:sp>
+        <p:nvSpPr>
+          <p:cNvPr id="239" name="Google Shape;239;g865f222207_0_171:notes"/>
+          <p:cNvSpPr/>
+          <p:nvPr>
+            <p:ph idx="2" type="sldImg"/>
+          </p:nvPr>
+        </p:nvSpPr>
+        <p:spPr>
+          <a:xfrm>
+            <a:off x="381300" y="685800"/>
+            <a:ext cx="6096000" cy="3429000"/>
+          </a:xfrm>
+          <a:custGeom>
+            <a:rect b="b" l="l" r="r" t="t"/>
+            <a:pathLst>
+              <a:path extrusionOk="0" h="120000" w="120000">
+                <a:moveTo>
+                  <a:pt x="0" y="0"/>
+                </a:moveTo>
+                <a:lnTo>
+                  <a:pt x="120000" y="0"/>
+                </a:lnTo>
+                <a:lnTo>
+                  <a:pt x="120000" y="120000"/>
+                </a:lnTo>
+                <a:lnTo>
+                  <a:pt x="0" y="120000"/>
+                </a:lnTo>
+                <a:close/>
+              </a:path>
+            </a:pathLst>
+          </a:custGeom>
+        </p:spPr>
+      </p:sp>
+      <p:sp>
+        <p:nvSpPr>
+          <p:cNvPr id="240" name="Google Shape;240;g865f222207_0_171:notes"/>
           <p:cNvSpPr txBox="1"/>
           <p:nvPr>
             <p:ph idx="1" type="body"/>
@@ -8508,7 +8708,7 @@
             <a:tbl>
               <a:tblPr>
                 <a:noFill/>
-                <a:tableStyleId>{8C5F2A7F-A560-4444-B1B1-81F57036B622}</a:tableStyleId>
+                <a:tableStyleId>{29E7CF9D-7101-4BEA-94D9-759C4D41E868}</a:tableStyleId>
               </a:tblPr>
               <a:tblGrid>
                 <a:gridCol w="2435925"/>
@@ -9681,7 +9881,7 @@
                   <a:srgbClr val="000000"/>
                 </a:solidFill>
               </a:rPr>
-              <a:t>Using statistics to divide up individual defensive player impact on run plays is a bit more difficult than with passes, but having </a:t>
+              <a:t>Using statistics to divide up individual defensive player impact on run plays is a bit more difficult than with pass rushing, but having </a:t>
             </a:r>
             <a:r>
               <a:rPr lang="en">
@@ -10469,7 +10669,7 @@
         </p:nvSpPr>
         <p:spPr>
           <a:xfrm>
-            <a:off x="425100" y="1147825"/>
+            <a:off x="425100" y="1065725"/>
             <a:ext cx="3770100" cy="3630900"/>
           </a:xfrm>
           <a:prstGeom prst="rect">
@@ -10497,23 +10697,7 @@
                   <a:srgbClr val="000000"/>
                 </a:solidFill>
               </a:rPr>
-              <a:t>While controlling for situation and technique, all three positions have similar distributions. Noses have a slightly fatter tail, meaning that the best players at that position still produce the most Negative EPA Tackles, even while controlling for situation and </a:t>
-            </a:r>
-            <a:r>
-              <a:rPr lang="en">
-                <a:solidFill>
-                  <a:srgbClr val="000000"/>
-                </a:solidFill>
-              </a:rPr>
-              <a:t>alignment</a:t>
-            </a:r>
-            <a:r>
-              <a:rPr lang="en">
-                <a:solidFill>
-                  <a:srgbClr val="000000"/>
-                </a:solidFill>
-              </a:rPr>
-              <a:t>.</a:t>
+              <a:t>While controlling for situation and technique, Noses have a much wider distribution. They also have more players with positive values, showing that they produce more Negative EPA Tackles than the other positions, even with control variables in place. We will see on the next slide, however, Tackles produce more return on investment with this metric.</a:t>
             </a:r>
             <a:endParaRPr>
               <a:solidFill>
@@ -10539,8 +10723,8 @@
         </p:blipFill>
         <p:spPr>
           <a:xfrm>
-            <a:off x="4499850" y="975581"/>
-            <a:ext cx="4390750" cy="3803145"/>
+            <a:off x="4347600" y="877925"/>
+            <a:ext cx="4625530" cy="4006500"/>
           </a:xfrm>
           <a:prstGeom prst="rect">
             <a:avLst/>
@@ -10940,192 +11124,553 @@
               <a:spcAft>
                 <a:spcPts val="0"/>
               </a:spcAft>
-              <a:buClr>
-                <a:schemeClr val="dk1"/>
-              </a:buClr>
-              <a:buSzPts val="1100"/>
-              <a:buFont typeface="Arial"/>
               <a:buNone/>
             </a:pPr>
             <a:r>
-              <a:rPr lang="en">
-                <a:solidFill>
-                  <a:srgbClr val="0000FF"/>
-                </a:solidFill>
-              </a:rPr>
-              <a:t>Rushing Success Rate</a:t>
-            </a:r>
-            <a:r>
-              <a:rPr lang="en">
-                <a:solidFill>
-                  <a:srgbClr val="0000FF"/>
-                </a:solidFill>
-              </a:rPr>
-              <a:t>: Model</a:t>
+              <a:rPr lang="en"/>
+              <a:t>Negative EPA Tackles: Top Performers</a:t>
             </a:r>
             <a:endParaRPr/>
           </a:p>
         </p:txBody>
       </p:sp>
-      <p:sp>
-        <p:nvSpPr>
+      <p:graphicFrame>
+        <p:nvGraphicFramePr>
           <p:cNvPr id="175" name="Google Shape;175;p32"/>
-          <p:cNvSpPr txBox="1"/>
-          <p:nvPr>
-            <p:ph idx="1" type="body"/>
-          </p:nvPr>
-        </p:nvSpPr>
-        <p:spPr>
-          <a:xfrm>
-            <a:off x="311700" y="1152475"/>
-            <a:ext cx="8520600" cy="3416400"/>
-          </a:xfrm>
-          <a:prstGeom prst="rect">
-            <a:avLst/>
-          </a:prstGeom>
-        </p:spPr>
-        <p:txBody>
-          <a:bodyPr anchorCtr="0" anchor="t" bIns="91425" lIns="91425" spcFirstLastPara="1" rIns="91425" wrap="square" tIns="91425">
-            <a:noAutofit/>
-          </a:bodyPr>
-          <a:lstStyle/>
-          <a:p>
-            <a:pPr indent="-342900" lvl="0" marL="457200" rtl="0" algn="l">
-              <a:spcBef>
-                <a:spcPts val="0"/>
-              </a:spcBef>
-              <a:spcAft>
-                <a:spcPts val="0"/>
-              </a:spcAft>
-              <a:buClr>
-                <a:schemeClr val="dk1"/>
-              </a:buClr>
-              <a:buSzPts val="1800"/>
-              <a:buChar char="●"/>
-            </a:pPr>
-            <a:r>
-              <a:rPr lang="en">
-                <a:solidFill>
-                  <a:schemeClr val="dk1"/>
-                </a:solidFill>
-              </a:rPr>
-              <a:t>Mixed Effects Logit Model</a:t>
-            </a:r>
-            <a:endParaRPr>
-              <a:solidFill>
-                <a:schemeClr val="dk1"/>
-              </a:solidFill>
-            </a:endParaRPr>
-          </a:p>
-          <a:p>
-            <a:pPr indent="-342900" lvl="0" marL="457200" rtl="0" algn="l">
-              <a:spcBef>
-                <a:spcPts val="1000"/>
-              </a:spcBef>
-              <a:spcAft>
-                <a:spcPts val="0"/>
-              </a:spcAft>
-              <a:buClr>
-                <a:schemeClr val="dk1"/>
-              </a:buClr>
-              <a:buSzPts val="1800"/>
-              <a:buChar char="●"/>
-            </a:pPr>
-            <a:r>
-              <a:rPr lang="en">
-                <a:solidFill>
-                  <a:schemeClr val="dk1"/>
-                </a:solidFill>
-              </a:rPr>
-              <a:t>Fitler for rushing plays toward the direction where the defensive player lined up, unless they are in a 0 Technique</a:t>
-            </a:r>
-            <a:endParaRPr>
-              <a:solidFill>
-                <a:schemeClr val="dk1"/>
-              </a:solidFill>
-            </a:endParaRPr>
-          </a:p>
-          <a:p>
-            <a:pPr indent="-342900" lvl="0" marL="457200" rtl="0" algn="l">
-              <a:spcBef>
-                <a:spcPts val="1000"/>
-              </a:spcBef>
-              <a:spcAft>
-                <a:spcPts val="0"/>
-              </a:spcAft>
-              <a:buClr>
-                <a:schemeClr val="dk1"/>
-              </a:buClr>
-              <a:buSzPts val="1800"/>
-              <a:buChar char="●"/>
-            </a:pPr>
-            <a:r>
-              <a:rPr lang="en">
-                <a:solidFill>
-                  <a:schemeClr val="dk1"/>
-                </a:solidFill>
-              </a:rPr>
-              <a:t>Formula: </a:t>
-            </a:r>
-            <a:r>
-              <a:rPr lang="en">
-                <a:solidFill>
-                  <a:srgbClr val="FF0000"/>
-                </a:solidFill>
-              </a:rPr>
-              <a:t>Success = as.factor(Down) + ToGo + RunGap + (1|Offensive Team) + (1|Name)</a:t>
-            </a:r>
-            <a:endParaRPr>
-              <a:solidFill>
-                <a:srgbClr val="FF0000"/>
-              </a:solidFill>
-            </a:endParaRPr>
-          </a:p>
-          <a:p>
-            <a:pPr indent="-342900" lvl="0" marL="457200" rtl="0" algn="l">
-              <a:spcBef>
-                <a:spcPts val="1000"/>
-              </a:spcBef>
-              <a:spcAft>
-                <a:spcPts val="0"/>
-              </a:spcAft>
-              <a:buClr>
-                <a:schemeClr val="dk1"/>
-              </a:buClr>
-              <a:buSzPts val="1800"/>
-              <a:buChar char="●"/>
-            </a:pPr>
-            <a:r>
-              <a:rPr lang="en">
-                <a:solidFill>
-                  <a:schemeClr val="dk1"/>
-                </a:solidFill>
-              </a:rPr>
-              <a:t>Offensive team is being controlled for here</a:t>
-            </a:r>
-            <a:endParaRPr>
-              <a:solidFill>
-                <a:schemeClr val="dk1"/>
-              </a:solidFill>
-            </a:endParaRPr>
-          </a:p>
-          <a:p>
-            <a:pPr indent="0" lvl="0" marL="0" rtl="0" algn="l">
-              <a:spcBef>
-                <a:spcPts val="1000"/>
-              </a:spcBef>
-              <a:spcAft>
-                <a:spcPts val="1600"/>
-              </a:spcAft>
-              <a:buNone/>
-            </a:pPr>
-            <a:r>
-              <a:t/>
-            </a:r>
-            <a:endParaRPr/>
-          </a:p>
-        </p:txBody>
-      </p:sp>
+          <p:cNvGraphicFramePr/>
+          <p:nvPr/>
+        </p:nvGraphicFramePr>
+        <p:xfrm>
+          <a:off x="941000" y="1594750"/>
+          <a:ext cx="3000000" cy="3000000"/>
+        </p:xfrm>
+        <a:graphic>
+          <a:graphicData uri="http://schemas.openxmlformats.org/drawingml/2006/table">
+            <a:tbl>
+              <a:tblPr>
+                <a:noFill/>
+                <a:tableStyleId>{29E7CF9D-7101-4BEA-94D9-759C4D41E868}</a:tableStyleId>
+              </a:tblPr>
+              <a:tblGrid>
+                <a:gridCol w="2595950"/>
+                <a:gridCol w="2435925"/>
+                <a:gridCol w="2480450"/>
+              </a:tblGrid>
+              <a:tr h="378100">
+                <a:tc>
+                  <a:txBody>
+                    <a:bodyPr/>
+                    <a:lstStyle/>
+                    <a:p>
+                      <a:pPr indent="0" lvl="0" marL="0" rtl="0" algn="l">
+                        <a:spcBef>
+                          <a:spcPts val="0"/>
+                        </a:spcBef>
+                        <a:spcAft>
+                          <a:spcPts val="0"/>
+                        </a:spcAft>
+                        <a:buNone/>
+                      </a:pPr>
+                      <a:r>
+                        <a:rPr b="1" lang="en">
+                          <a:solidFill>
+                            <a:srgbClr val="FF0000"/>
+                          </a:solidFill>
+                        </a:rPr>
+                        <a:t>Best Edge Intercepts:</a:t>
+                      </a:r>
+                      <a:endParaRPr b="1">
+                        <a:solidFill>
+                          <a:srgbClr val="FF0000"/>
+                        </a:solidFill>
+                      </a:endParaRPr>
+                    </a:p>
+                  </a:txBody>
+                  <a:tcPr marT="91425" marB="91425" marR="91425" marL="91425"/>
+                </a:tc>
+                <a:tc>
+                  <a:txBody>
+                    <a:bodyPr/>
+                    <a:lstStyle/>
+                    <a:p>
+                      <a:pPr indent="0" lvl="0" marL="0" rtl="0" algn="l">
+                        <a:spcBef>
+                          <a:spcPts val="0"/>
+                        </a:spcBef>
+                        <a:spcAft>
+                          <a:spcPts val="0"/>
+                        </a:spcAft>
+                        <a:buNone/>
+                      </a:pPr>
+                      <a:r>
+                        <a:rPr b="1" lang="en">
+                          <a:solidFill>
+                            <a:srgbClr val="274E13"/>
+                          </a:solidFill>
+                        </a:rPr>
+                        <a:t>Best Tackle Intercepts:</a:t>
+                      </a:r>
+                      <a:endParaRPr b="1">
+                        <a:solidFill>
+                          <a:srgbClr val="274E13"/>
+                        </a:solidFill>
+                      </a:endParaRPr>
+                    </a:p>
+                  </a:txBody>
+                  <a:tcPr marT="91425" marB="91425" marR="91425" marL="91425"/>
+                </a:tc>
+                <a:tc>
+                  <a:txBody>
+                    <a:bodyPr/>
+                    <a:lstStyle/>
+                    <a:p>
+                      <a:pPr indent="0" lvl="0" marL="0" rtl="0" algn="l">
+                        <a:spcBef>
+                          <a:spcPts val="0"/>
+                        </a:spcBef>
+                        <a:spcAft>
+                          <a:spcPts val="0"/>
+                        </a:spcAft>
+                        <a:buNone/>
+                      </a:pPr>
+                      <a:r>
+                        <a:rPr b="1" lang="en">
+                          <a:solidFill>
+                            <a:srgbClr val="0000FF"/>
+                          </a:solidFill>
+                        </a:rPr>
+                        <a:t>Best Nose Intercepts:</a:t>
+                      </a:r>
+                      <a:endParaRPr b="1">
+                        <a:solidFill>
+                          <a:srgbClr val="0000FF"/>
+                        </a:solidFill>
+                      </a:endParaRPr>
+                    </a:p>
+                  </a:txBody>
+                  <a:tcPr marT="91425" marB="91425" marR="91425" marL="91425"/>
+                </a:tc>
+              </a:tr>
+              <a:tr h="378100">
+                <a:tc>
+                  <a:txBody>
+                    <a:bodyPr/>
+                    <a:lstStyle/>
+                    <a:p>
+                      <a:pPr indent="0" lvl="0" marL="0" rtl="0" algn="l">
+                        <a:spcBef>
+                          <a:spcPts val="0"/>
+                        </a:spcBef>
+                        <a:spcAft>
+                          <a:spcPts val="0"/>
+                        </a:spcAft>
+                        <a:buNone/>
+                      </a:pPr>
+                      <a:r>
+                        <a:rPr lang="en">
+                          <a:solidFill>
+                            <a:schemeClr val="dk1"/>
+                          </a:solidFill>
+                        </a:rPr>
+                        <a:t>1. Vince Biegel, GB</a:t>
+                      </a:r>
+                      <a:endParaRPr/>
+                    </a:p>
+                  </a:txBody>
+                  <a:tcPr marT="91425" marB="91425" marR="91425" marL="91425"/>
+                </a:tc>
+                <a:tc>
+                  <a:txBody>
+                    <a:bodyPr/>
+                    <a:lstStyle/>
+                    <a:p>
+                      <a:pPr indent="0" lvl="0" marL="0" rtl="0" algn="l">
+                        <a:spcBef>
+                          <a:spcPts val="0"/>
+                        </a:spcBef>
+                        <a:spcAft>
+                          <a:spcPts val="0"/>
+                        </a:spcAft>
+                        <a:buNone/>
+                      </a:pPr>
+                      <a:r>
+                        <a:rPr lang="en">
+                          <a:solidFill>
+                            <a:schemeClr val="dk1"/>
+                          </a:solidFill>
+                        </a:rPr>
+                        <a:t>1. William Gholston, TB</a:t>
+                      </a:r>
+                      <a:endParaRPr/>
+                    </a:p>
+                  </a:txBody>
+                  <a:tcPr marT="91425" marB="91425" marR="91425" marL="91425"/>
+                </a:tc>
+                <a:tc>
+                  <a:txBody>
+                    <a:bodyPr/>
+                    <a:lstStyle/>
+                    <a:p>
+                      <a:pPr indent="0" lvl="0" marL="0" rtl="0" algn="l">
+                        <a:spcBef>
+                          <a:spcPts val="0"/>
+                        </a:spcBef>
+                        <a:spcAft>
+                          <a:spcPts val="0"/>
+                        </a:spcAft>
+                        <a:buClr>
+                          <a:schemeClr val="dk1"/>
+                        </a:buClr>
+                        <a:buSzPts val="1100"/>
+                        <a:buFont typeface="Arial"/>
+                        <a:buNone/>
+                      </a:pPr>
+                      <a:r>
+                        <a:rPr lang="en">
+                          <a:solidFill>
+                            <a:schemeClr val="dk1"/>
+                          </a:solidFill>
+                        </a:rPr>
+                        <a:t>1. Mike Pennel, KC</a:t>
+                      </a:r>
+                      <a:endParaRPr/>
+                    </a:p>
+                  </a:txBody>
+                  <a:tcPr marT="91425" marB="91425" marR="91425" marL="91425"/>
+                </a:tc>
+              </a:tr>
+              <a:tr h="378100">
+                <a:tc>
+                  <a:txBody>
+                    <a:bodyPr/>
+                    <a:lstStyle/>
+                    <a:p>
+                      <a:pPr indent="0" lvl="0" marL="0" rtl="0" algn="l">
+                        <a:spcBef>
+                          <a:spcPts val="0"/>
+                        </a:spcBef>
+                        <a:spcAft>
+                          <a:spcPts val="0"/>
+                        </a:spcAft>
+                        <a:buNone/>
+                      </a:pPr>
+                      <a:r>
+                        <a:rPr lang="en"/>
+                        <a:t>2. DeMarcus Lawrence, DAL</a:t>
+                      </a:r>
+                      <a:endParaRPr/>
+                    </a:p>
+                  </a:txBody>
+                  <a:tcPr marT="91425" marB="91425" marR="91425" marL="91425"/>
+                </a:tc>
+                <a:tc>
+                  <a:txBody>
+                    <a:bodyPr/>
+                    <a:lstStyle/>
+                    <a:p>
+                      <a:pPr indent="0" lvl="0" marL="0" rtl="0" algn="l">
+                        <a:spcBef>
+                          <a:spcPts val="0"/>
+                        </a:spcBef>
+                        <a:spcAft>
+                          <a:spcPts val="0"/>
+                        </a:spcAft>
+                        <a:buNone/>
+                      </a:pPr>
+                      <a:r>
+                        <a:rPr lang="en">
+                          <a:solidFill>
+                            <a:schemeClr val="dk1"/>
+                          </a:solidFill>
+                        </a:rPr>
+                        <a:t>2. Jonathan Allen, WAS</a:t>
+                      </a:r>
+                      <a:endParaRPr/>
+                    </a:p>
+                  </a:txBody>
+                  <a:tcPr marT="91425" marB="91425" marR="91425" marL="91425"/>
+                </a:tc>
+                <a:tc>
+                  <a:txBody>
+                    <a:bodyPr/>
+                    <a:lstStyle/>
+                    <a:p>
+                      <a:pPr indent="0" lvl="0" marL="0" rtl="0" algn="l">
+                        <a:spcBef>
+                          <a:spcPts val="0"/>
+                        </a:spcBef>
+                        <a:spcAft>
+                          <a:spcPts val="0"/>
+                        </a:spcAft>
+                        <a:buNone/>
+                      </a:pPr>
+                      <a:r>
+                        <a:rPr lang="en"/>
+                        <a:t>2. Mike Purcell, DEN</a:t>
+                      </a:r>
+                      <a:endParaRPr/>
+                    </a:p>
+                  </a:txBody>
+                  <a:tcPr marT="91425" marB="91425" marR="91425" marL="91425"/>
+                </a:tc>
+              </a:tr>
+              <a:tr h="378100">
+                <a:tc>
+                  <a:txBody>
+                    <a:bodyPr/>
+                    <a:lstStyle/>
+                    <a:p>
+                      <a:pPr indent="0" lvl="0" marL="0" rtl="0" algn="l">
+                        <a:spcBef>
+                          <a:spcPts val="0"/>
+                        </a:spcBef>
+                        <a:spcAft>
+                          <a:spcPts val="0"/>
+                        </a:spcAft>
+                        <a:buNone/>
+                      </a:pPr>
+                      <a:r>
+                        <a:rPr lang="en"/>
+                        <a:t>3. Carlos Dunlap, CIN</a:t>
+                      </a:r>
+                      <a:endParaRPr/>
+                    </a:p>
+                  </a:txBody>
+                  <a:tcPr marT="91425" marB="91425" marR="91425" marL="91425"/>
+                </a:tc>
+                <a:tc>
+                  <a:txBody>
+                    <a:bodyPr/>
+                    <a:lstStyle/>
+                    <a:p>
+                      <a:pPr indent="0" lvl="0" marL="0" rtl="0" algn="l">
+                        <a:spcBef>
+                          <a:spcPts val="0"/>
+                        </a:spcBef>
+                        <a:spcAft>
+                          <a:spcPts val="0"/>
+                        </a:spcAft>
+                        <a:buNone/>
+                      </a:pPr>
+                      <a:r>
+                        <a:rPr lang="en">
+                          <a:solidFill>
+                            <a:schemeClr val="dk1"/>
+                          </a:solidFill>
+                        </a:rPr>
+                        <a:t>3. Jeffery Simmons, LAC</a:t>
+                      </a:r>
+                      <a:endParaRPr/>
+                    </a:p>
+                  </a:txBody>
+                  <a:tcPr marT="91425" marB="91425" marR="91425" marL="91425"/>
+                </a:tc>
+                <a:tc>
+                  <a:txBody>
+                    <a:bodyPr/>
+                    <a:lstStyle/>
+                    <a:p>
+                      <a:pPr indent="0" lvl="0" marL="0" rtl="0" algn="l">
+                        <a:spcBef>
+                          <a:spcPts val="0"/>
+                        </a:spcBef>
+                        <a:spcAft>
+                          <a:spcPts val="0"/>
+                        </a:spcAft>
+                        <a:buNone/>
+                      </a:pPr>
+                      <a:r>
+                        <a:rPr lang="en"/>
+                        <a:t>3. </a:t>
+                      </a:r>
+                      <a:r>
+                        <a:rPr lang="en">
+                          <a:solidFill>
+                            <a:schemeClr val="dk1"/>
+                          </a:solidFill>
+                        </a:rPr>
+                        <a:t>Dalvin Tomlinson, NYG</a:t>
+                      </a:r>
+                      <a:endParaRPr/>
+                    </a:p>
+                  </a:txBody>
+                  <a:tcPr marT="91425" marB="91425" marR="91425" marL="91425"/>
+                </a:tc>
+              </a:tr>
+              <a:tr h="378100">
+                <a:tc>
+                  <a:txBody>
+                    <a:bodyPr/>
+                    <a:lstStyle/>
+                    <a:p>
+                      <a:pPr indent="0" lvl="0" marL="0" rtl="0" algn="l">
+                        <a:spcBef>
+                          <a:spcPts val="0"/>
+                        </a:spcBef>
+                        <a:spcAft>
+                          <a:spcPts val="0"/>
+                        </a:spcAft>
+                        <a:buNone/>
+                      </a:pPr>
+                      <a:r>
+                        <a:rPr lang="en"/>
+                        <a:t>4. </a:t>
+                      </a:r>
+                      <a:r>
+                        <a:rPr lang="en">
+                          <a:solidFill>
+                            <a:schemeClr val="dk1"/>
+                          </a:solidFill>
+                        </a:rPr>
+                        <a:t>Markus Golden, NYG</a:t>
+                      </a:r>
+                      <a:endParaRPr/>
+                    </a:p>
+                  </a:txBody>
+                  <a:tcPr marT="91425" marB="91425" marR="91425" marL="91425"/>
+                </a:tc>
+                <a:tc>
+                  <a:txBody>
+                    <a:bodyPr/>
+                    <a:lstStyle/>
+                    <a:p>
+                      <a:pPr indent="0" lvl="0" marL="0" rtl="0" algn="l">
+                        <a:spcBef>
+                          <a:spcPts val="0"/>
+                        </a:spcBef>
+                        <a:spcAft>
+                          <a:spcPts val="0"/>
+                        </a:spcAft>
+                        <a:buNone/>
+                      </a:pPr>
+                      <a:r>
+                        <a:rPr lang="en">
+                          <a:solidFill>
+                            <a:schemeClr val="dk1"/>
+                          </a:solidFill>
+                        </a:rPr>
+                        <a:t>4. Lawrence Guy, NE</a:t>
+                      </a:r>
+                      <a:endParaRPr/>
+                    </a:p>
+                  </a:txBody>
+                  <a:tcPr marT="91425" marB="91425" marR="91425" marL="91425"/>
+                </a:tc>
+                <a:tc>
+                  <a:txBody>
+                    <a:bodyPr/>
+                    <a:lstStyle/>
+                    <a:p>
+                      <a:pPr indent="0" lvl="0" marL="0" rtl="0" algn="l">
+                        <a:spcBef>
+                          <a:spcPts val="0"/>
+                        </a:spcBef>
+                        <a:spcAft>
+                          <a:spcPts val="0"/>
+                        </a:spcAft>
+                        <a:buNone/>
+                      </a:pPr>
+                      <a:r>
+                        <a:rPr lang="en"/>
+                        <a:t>4. </a:t>
+                      </a:r>
+                      <a:r>
+                        <a:rPr lang="en">
+                          <a:solidFill>
+                            <a:schemeClr val="dk1"/>
+                          </a:solidFill>
+                        </a:rPr>
+                        <a:t>Damon Harrison, DET</a:t>
+                      </a:r>
+                      <a:endParaRPr/>
+                    </a:p>
+                  </a:txBody>
+                  <a:tcPr marT="91425" marB="91425" marR="91425" marL="91425"/>
+                </a:tc>
+              </a:tr>
+              <a:tr h="378100">
+                <a:tc>
+                  <a:txBody>
+                    <a:bodyPr/>
+                    <a:lstStyle/>
+                    <a:p>
+                      <a:pPr indent="0" lvl="0" marL="0" rtl="0" algn="l">
+                        <a:spcBef>
+                          <a:spcPts val="0"/>
+                        </a:spcBef>
+                        <a:spcAft>
+                          <a:spcPts val="0"/>
+                        </a:spcAft>
+                        <a:buNone/>
+                      </a:pPr>
+                      <a:r>
+                        <a:rPr lang="en"/>
+                        <a:t>5. Matt Judon, BAL</a:t>
+                      </a:r>
+                      <a:endParaRPr/>
+                    </a:p>
+                  </a:txBody>
+                  <a:tcPr marT="91425" marB="91425" marR="91425" marL="91425"/>
+                </a:tc>
+                <a:tc>
+                  <a:txBody>
+                    <a:bodyPr/>
+                    <a:lstStyle/>
+                    <a:p>
+                      <a:pPr indent="0" lvl="0" marL="0" rtl="0" algn="l">
+                        <a:spcBef>
+                          <a:spcPts val="0"/>
+                        </a:spcBef>
+                        <a:spcAft>
+                          <a:spcPts val="0"/>
+                        </a:spcAft>
+                        <a:buNone/>
+                      </a:pPr>
+                      <a:r>
+                        <a:rPr lang="en"/>
+                        <a:t>5. Ed Oliver, BUF</a:t>
+                      </a:r>
+                      <a:endParaRPr/>
+                    </a:p>
+                  </a:txBody>
+                  <a:tcPr marT="91425" marB="91425" marR="91425" marL="91425"/>
+                </a:tc>
+                <a:tc>
+                  <a:txBody>
+                    <a:bodyPr/>
+                    <a:lstStyle/>
+                    <a:p>
+                      <a:pPr indent="0" lvl="0" marL="0" rtl="0" algn="l">
+                        <a:spcBef>
+                          <a:spcPts val="0"/>
+                        </a:spcBef>
+                        <a:spcAft>
+                          <a:spcPts val="0"/>
+                        </a:spcAft>
+                        <a:buNone/>
+                      </a:pPr>
+                      <a:r>
+                        <a:rPr lang="en"/>
+                        <a:t>5. </a:t>
+                      </a:r>
+                      <a:r>
+                        <a:rPr lang="en">
+                          <a:solidFill>
+                            <a:schemeClr val="dk1"/>
+                          </a:solidFill>
+                        </a:rPr>
+                        <a:t>Larry Ogunjobi, CLE</a:t>
+                      </a:r>
+                      <a:endParaRPr/>
+                    </a:p>
+                  </a:txBody>
+                  <a:tcPr marT="91425" marB="91425" marR="91425" marL="91425"/>
+                </a:tc>
+              </a:tr>
+            </a:tbl>
+          </a:graphicData>
+        </a:graphic>
+      </p:graphicFrame>
     </p:spTree>
   </p:cSld>
   <p:clrMapOvr>
@@ -11161,6 +11706,247 @@
         </p:nvSpPr>
         <p:spPr>
           <a:xfrm>
+            <a:off x="311700" y="445025"/>
+            <a:ext cx="8520600" cy="572700"/>
+          </a:xfrm>
+          <a:prstGeom prst="rect">
+            <a:avLst/>
+          </a:prstGeom>
+        </p:spPr>
+        <p:txBody>
+          <a:bodyPr anchorCtr="0" anchor="t" bIns="91425" lIns="91425" spcFirstLastPara="1" rIns="91425" wrap="square" tIns="91425">
+            <a:noAutofit/>
+          </a:bodyPr>
+          <a:lstStyle/>
+          <a:p>
+            <a:pPr indent="0" lvl="0" marL="0" rtl="0" algn="l">
+              <a:spcBef>
+                <a:spcPts val="0"/>
+              </a:spcBef>
+              <a:spcAft>
+                <a:spcPts val="0"/>
+              </a:spcAft>
+              <a:buClr>
+                <a:schemeClr val="dk1"/>
+              </a:buClr>
+              <a:buSzPts val="1100"/>
+              <a:buFont typeface="Arial"/>
+              <a:buNone/>
+            </a:pPr>
+            <a:r>
+              <a:rPr lang="en">
+                <a:solidFill>
+                  <a:srgbClr val="0000FF"/>
+                </a:solidFill>
+              </a:rPr>
+              <a:t>Rushing Success Rate</a:t>
+            </a:r>
+            <a:r>
+              <a:rPr lang="en">
+                <a:solidFill>
+                  <a:srgbClr val="0000FF"/>
+                </a:solidFill>
+              </a:rPr>
+              <a:t>: Model</a:t>
+            </a:r>
+            <a:endParaRPr/>
+          </a:p>
+        </p:txBody>
+      </p:sp>
+      <p:sp>
+        <p:nvSpPr>
+          <p:cNvPr id="181" name="Google Shape;181;p33"/>
+          <p:cNvSpPr txBox="1"/>
+          <p:nvPr>
+            <p:ph idx="1" type="body"/>
+          </p:nvPr>
+        </p:nvSpPr>
+        <p:spPr>
+          <a:xfrm>
+            <a:off x="311700" y="1152475"/>
+            <a:ext cx="8520600" cy="3416400"/>
+          </a:xfrm>
+          <a:prstGeom prst="rect">
+            <a:avLst/>
+          </a:prstGeom>
+        </p:spPr>
+        <p:txBody>
+          <a:bodyPr anchorCtr="0" anchor="t" bIns="91425" lIns="91425" spcFirstLastPara="1" rIns="91425" wrap="square" tIns="91425">
+            <a:noAutofit/>
+          </a:bodyPr>
+          <a:lstStyle/>
+          <a:p>
+            <a:pPr indent="-342900" lvl="0" marL="457200" rtl="0" algn="l">
+              <a:spcBef>
+                <a:spcPts val="0"/>
+              </a:spcBef>
+              <a:spcAft>
+                <a:spcPts val="0"/>
+              </a:spcAft>
+              <a:buClr>
+                <a:schemeClr val="dk1"/>
+              </a:buClr>
+              <a:buSzPts val="1800"/>
+              <a:buChar char="●"/>
+            </a:pPr>
+            <a:r>
+              <a:rPr lang="en">
+                <a:solidFill>
+                  <a:schemeClr val="dk1"/>
+                </a:solidFill>
+              </a:rPr>
+              <a:t>Mixed Effects Logit Model</a:t>
+            </a:r>
+            <a:endParaRPr>
+              <a:solidFill>
+                <a:schemeClr val="dk1"/>
+              </a:solidFill>
+            </a:endParaRPr>
+          </a:p>
+          <a:p>
+            <a:pPr indent="-342900" lvl="0" marL="457200" rtl="0" algn="l">
+              <a:spcBef>
+                <a:spcPts val="1000"/>
+              </a:spcBef>
+              <a:spcAft>
+                <a:spcPts val="0"/>
+              </a:spcAft>
+              <a:buClr>
+                <a:schemeClr val="dk1"/>
+              </a:buClr>
+              <a:buSzPts val="1800"/>
+              <a:buChar char="●"/>
+            </a:pPr>
+            <a:r>
+              <a:rPr lang="en">
+                <a:solidFill>
+                  <a:schemeClr val="dk1"/>
+                </a:solidFill>
+              </a:rPr>
+              <a:t>Fitler for rushing plays toward the direction where the defensive player lined up, unless they are in a 0 Technique</a:t>
+            </a:r>
+            <a:endParaRPr>
+              <a:solidFill>
+                <a:schemeClr val="dk1"/>
+              </a:solidFill>
+            </a:endParaRPr>
+          </a:p>
+          <a:p>
+            <a:pPr indent="-342900" lvl="0" marL="457200" rtl="0" algn="l">
+              <a:spcBef>
+                <a:spcPts val="1000"/>
+              </a:spcBef>
+              <a:spcAft>
+                <a:spcPts val="0"/>
+              </a:spcAft>
+              <a:buClr>
+                <a:schemeClr val="dk1"/>
+              </a:buClr>
+              <a:buSzPts val="1800"/>
+              <a:buChar char="●"/>
+            </a:pPr>
+            <a:r>
+              <a:rPr lang="en">
+                <a:solidFill>
+                  <a:schemeClr val="dk1"/>
+                </a:solidFill>
+              </a:rPr>
+              <a:t>Formula: </a:t>
+            </a:r>
+            <a:r>
+              <a:rPr lang="en">
+                <a:solidFill>
+                  <a:srgbClr val="FF0000"/>
+                </a:solidFill>
+              </a:rPr>
+              <a:t>Success = as.factor(Down) + ToGo + RunGap + (1|Offensive Team) + (1|Name)</a:t>
+            </a:r>
+            <a:endParaRPr>
+              <a:solidFill>
+                <a:srgbClr val="FF0000"/>
+              </a:solidFill>
+            </a:endParaRPr>
+          </a:p>
+          <a:p>
+            <a:pPr indent="-342900" lvl="0" marL="457200" rtl="0" algn="l">
+              <a:spcBef>
+                <a:spcPts val="1000"/>
+              </a:spcBef>
+              <a:spcAft>
+                <a:spcPts val="0"/>
+              </a:spcAft>
+              <a:buClr>
+                <a:schemeClr val="dk1"/>
+              </a:buClr>
+              <a:buSzPts val="1800"/>
+              <a:buChar char="●"/>
+            </a:pPr>
+            <a:r>
+              <a:rPr lang="en">
+                <a:solidFill>
+                  <a:schemeClr val="dk1"/>
+                </a:solidFill>
+              </a:rPr>
+              <a:t>Offensive team is being controlled for here</a:t>
+            </a:r>
+            <a:endParaRPr>
+              <a:solidFill>
+                <a:schemeClr val="dk1"/>
+              </a:solidFill>
+            </a:endParaRPr>
+          </a:p>
+          <a:p>
+            <a:pPr indent="0" lvl="0" marL="0" rtl="0" algn="l">
+              <a:spcBef>
+                <a:spcPts val="1000"/>
+              </a:spcBef>
+              <a:spcAft>
+                <a:spcPts val="1600"/>
+              </a:spcAft>
+              <a:buNone/>
+            </a:pPr>
+            <a:r>
+              <a:t/>
+            </a:r>
+            <a:endParaRPr/>
+          </a:p>
+        </p:txBody>
+      </p:sp>
+    </p:spTree>
+  </p:cSld>
+  <p:clrMapOvr>
+    <a:masterClrMapping/>
+  </p:clrMapOvr>
+</p:sld>
+</file>
+
+<file path=ppt/slides/slide22.xml><?xml version="1.0" encoding="utf-8"?>
+<p:sld xmlns:a="http://schemas.openxmlformats.org/drawingml/2006/main" xmlns:r="http://schemas.openxmlformats.org/officeDocument/2006/relationships" xmlns:mc="http://schemas.openxmlformats.org/markup-compatibility/2006" xmlns:mv="urn:schemas-microsoft-com:mac:vml" xmlns:p="http://schemas.openxmlformats.org/presentationml/2006/main" xmlns:c="http://schemas.openxmlformats.org/drawingml/2006/chart" xmlns:dgm="http://schemas.openxmlformats.org/drawingml/2006/diagram" xmlns:o="urn:schemas-microsoft-com:office:office" xmlns:v="urn:schemas-microsoft-com:vml" xmlns:pvml="urn:schemas-microsoft-com:office:powerpoint" xmlns:com="http://schemas.openxmlformats.org/drawingml/2006/compatibility" xmlns:p14="http://schemas.microsoft.com/office/powerpoint/2010/main" xmlns:p15="http://schemas.microsoft.com/office/powerpoint/2012/main">
+  <p:cSld>
+    <p:spTree>
+      <p:nvGrpSpPr>
+        <p:cNvPr id="185" name="Shape 185"/>
+        <p:cNvGrpSpPr/>
+        <p:nvPr/>
+      </p:nvGrpSpPr>
+      <p:grpSpPr>
+        <a:xfrm>
+          <a:off x="0" y="0"/>
+          <a:ext cx="0" cy="0"/>
+          <a:chOff x="0" y="0"/>
+          <a:chExt cx="0" cy="0"/>
+        </a:xfrm>
+      </p:grpSpPr>
+      <p:sp>
+        <p:nvSpPr>
+          <p:cNvPr id="186" name="Google Shape;186;p34"/>
+          <p:cNvSpPr txBox="1"/>
+          <p:nvPr>
+            <p:ph type="title"/>
+          </p:nvPr>
+        </p:nvSpPr>
+        <p:spPr>
+          <a:xfrm>
             <a:off x="311700" y="331650"/>
             <a:ext cx="8520600" cy="572700"/>
           </a:xfrm>
@@ -11202,7 +11988,7 @@
       </p:sp>
       <p:sp>
         <p:nvSpPr>
-          <p:cNvPr id="181" name="Google Shape;181;p33"/>
+          <p:cNvPr id="187" name="Google Shape;187;p34"/>
           <p:cNvSpPr txBox="1"/>
           <p:nvPr>
             <p:ph idx="1" type="body"/>
@@ -11274,7 +12060,7 @@
       </p:sp>
       <p:pic>
         <p:nvPicPr>
-          <p:cNvPr id="182" name="Google Shape;182;p33"/>
+          <p:cNvPr id="188" name="Google Shape;188;p34"/>
           <p:cNvPicPr preferRelativeResize="0"/>
           <p:nvPr/>
         </p:nvPicPr>
@@ -11290,107 +12076,6 @@
           <a:xfrm>
             <a:off x="4357800" y="1017725"/>
             <a:ext cx="4411340" cy="3820975"/>
-          </a:xfrm>
-          <a:prstGeom prst="rect">
-            <a:avLst/>
-          </a:prstGeom>
-          <a:noFill/>
-          <a:ln>
-            <a:noFill/>
-          </a:ln>
-        </p:spPr>
-      </p:pic>
-    </p:spTree>
-  </p:cSld>
-  <p:clrMapOvr>
-    <a:masterClrMapping/>
-  </p:clrMapOvr>
-</p:sld>
-</file>
-
-<file path=ppt/slides/slide22.xml><?xml version="1.0" encoding="utf-8"?>
-<p:sld xmlns:a="http://schemas.openxmlformats.org/drawingml/2006/main" xmlns:r="http://schemas.openxmlformats.org/officeDocument/2006/relationships" xmlns:mc="http://schemas.openxmlformats.org/markup-compatibility/2006" xmlns:mv="urn:schemas-microsoft-com:mac:vml" xmlns:p="http://schemas.openxmlformats.org/presentationml/2006/main" xmlns:c="http://schemas.openxmlformats.org/drawingml/2006/chart" xmlns:dgm="http://schemas.openxmlformats.org/drawingml/2006/diagram" xmlns:o="urn:schemas-microsoft-com:office:office" xmlns:v="urn:schemas-microsoft-com:vml" xmlns:pvml="urn:schemas-microsoft-com:office:powerpoint" xmlns:com="http://schemas.openxmlformats.org/drawingml/2006/compatibility" xmlns:p14="http://schemas.microsoft.com/office/powerpoint/2010/main" xmlns:p15="http://schemas.microsoft.com/office/powerpoint/2012/main">
-  <p:cSld>
-    <p:spTree>
-      <p:nvGrpSpPr>
-        <p:cNvPr id="186" name="Shape 186"/>
-        <p:cNvGrpSpPr/>
-        <p:nvPr/>
-      </p:nvGrpSpPr>
-      <p:grpSpPr>
-        <a:xfrm>
-          <a:off x="0" y="0"/>
-          <a:ext cx="0" cy="0"/>
-          <a:chOff x="0" y="0"/>
-          <a:chExt cx="0" cy="0"/>
-        </a:xfrm>
-      </p:grpSpPr>
-      <p:sp>
-        <p:nvSpPr>
-          <p:cNvPr id="187" name="Google Shape;187;p34"/>
-          <p:cNvSpPr txBox="1"/>
-          <p:nvPr>
-            <p:ph type="title"/>
-          </p:nvPr>
-        </p:nvSpPr>
-        <p:spPr>
-          <a:xfrm>
-            <a:off x="229225" y="94575"/>
-            <a:ext cx="8520600" cy="572700"/>
-          </a:xfrm>
-          <a:prstGeom prst="rect">
-            <a:avLst/>
-          </a:prstGeom>
-        </p:spPr>
-        <p:txBody>
-          <a:bodyPr anchorCtr="0" anchor="t" bIns="91425" lIns="91425" spcFirstLastPara="1" rIns="91425" wrap="square" tIns="91425">
-            <a:noAutofit/>
-          </a:bodyPr>
-          <a:lstStyle/>
-          <a:p>
-            <a:pPr indent="0" lvl="0" marL="0" rtl="0" algn="l">
-              <a:spcBef>
-                <a:spcPts val="0"/>
-              </a:spcBef>
-              <a:spcAft>
-                <a:spcPts val="0"/>
-              </a:spcAft>
-              <a:buNone/>
-            </a:pPr>
-            <a:r>
-              <a:rPr lang="en">
-                <a:solidFill>
-                  <a:srgbClr val="0000FF"/>
-                </a:solidFill>
-              </a:rPr>
-              <a:t>Rushing Success Model: Return on Investment</a:t>
-            </a:r>
-            <a:endParaRPr>
-              <a:solidFill>
-                <a:srgbClr val="0000FF"/>
-              </a:solidFill>
-            </a:endParaRPr>
-          </a:p>
-        </p:txBody>
-      </p:sp>
-      <p:pic>
-        <p:nvPicPr>
-          <p:cNvPr id="188" name="Google Shape;188;p34"/>
-          <p:cNvPicPr preferRelativeResize="0"/>
-          <p:nvPr/>
-        </p:nvPicPr>
-        <p:blipFill>
-          <a:blip r:embed="rId3">
-            <a:alphaModFix/>
-          </a:blip>
-          <a:stretch>
-            <a:fillRect/>
-          </a:stretch>
-        </p:blipFill>
-        <p:spPr>
-          <a:xfrm>
-            <a:off x="831325" y="739425"/>
-            <a:ext cx="7481362" cy="4171426"/>
           </a:xfrm>
           <a:prstGeom prst="rect">
             <a:avLst/>
@@ -11436,7 +12121,7 @@
         </p:nvSpPr>
         <p:spPr>
           <a:xfrm>
-            <a:off x="311700" y="445025"/>
+            <a:off x="229225" y="94575"/>
             <a:ext cx="8520600" cy="572700"/>
           </a:xfrm>
           <a:prstGeom prst="rect">
@@ -11459,526 +12144,49 @@
               <a:buNone/>
             </a:pPr>
             <a:r>
-              <a:rPr lang="en"/>
-              <a:t>Rushing Success Rate: Top Performers</a:t>
-            </a:r>
-            <a:endParaRPr/>
+              <a:rPr lang="en">
+                <a:solidFill>
+                  <a:srgbClr val="0000FF"/>
+                </a:solidFill>
+              </a:rPr>
+              <a:t>Rushing Success Model: Return on Investment</a:t>
+            </a:r>
+            <a:endParaRPr>
+              <a:solidFill>
+                <a:srgbClr val="0000FF"/>
+              </a:solidFill>
+            </a:endParaRPr>
           </a:p>
         </p:txBody>
       </p:sp>
-      <p:graphicFrame>
-        <p:nvGraphicFramePr>
+      <p:pic>
+        <p:nvPicPr>
           <p:cNvPr id="194" name="Google Shape;194;p35"/>
-          <p:cNvGraphicFramePr/>
+          <p:cNvPicPr preferRelativeResize="0"/>
           <p:nvPr/>
-        </p:nvGraphicFramePr>
-        <p:xfrm>
-          <a:off x="769575" y="1571900"/>
-          <a:ext cx="3000000" cy="3000000"/>
-        </p:xfrm>
-        <a:graphic>
-          <a:graphicData uri="http://schemas.openxmlformats.org/drawingml/2006/table">
-            <a:tbl>
-              <a:tblPr>
-                <a:noFill/>
-                <a:tableStyleId>{8C5F2A7F-A560-4444-B1B1-81F57036B622}</a:tableStyleId>
-              </a:tblPr>
-              <a:tblGrid>
-                <a:gridCol w="2435925"/>
-                <a:gridCol w="2435925"/>
-                <a:gridCol w="2480450"/>
-              </a:tblGrid>
-              <a:tr h="378100">
-                <a:tc>
-                  <a:txBody>
-                    <a:bodyPr/>
-                    <a:lstStyle/>
-                    <a:p>
-                      <a:pPr indent="0" lvl="0" marL="0" rtl="0" algn="l">
-                        <a:spcBef>
-                          <a:spcPts val="0"/>
-                        </a:spcBef>
-                        <a:spcAft>
-                          <a:spcPts val="0"/>
-                        </a:spcAft>
-                        <a:buNone/>
-                      </a:pPr>
-                      <a:r>
-                        <a:rPr b="1" lang="en">
-                          <a:solidFill>
-                            <a:srgbClr val="FF0000"/>
-                          </a:solidFill>
-                        </a:rPr>
-                        <a:t>Best Edge Intercepts:</a:t>
-                      </a:r>
-                      <a:endParaRPr b="1">
-                        <a:solidFill>
-                          <a:srgbClr val="FF0000"/>
-                        </a:solidFill>
-                      </a:endParaRPr>
-                    </a:p>
-                  </a:txBody>
-                  <a:tcPr marT="91425" marB="91425" marR="91425" marL="91425"/>
-                </a:tc>
-                <a:tc>
-                  <a:txBody>
-                    <a:bodyPr/>
-                    <a:lstStyle/>
-                    <a:p>
-                      <a:pPr indent="0" lvl="0" marL="0" rtl="0" algn="l">
-                        <a:spcBef>
-                          <a:spcPts val="0"/>
-                        </a:spcBef>
-                        <a:spcAft>
-                          <a:spcPts val="0"/>
-                        </a:spcAft>
-                        <a:buNone/>
-                      </a:pPr>
-                      <a:r>
-                        <a:rPr b="1" lang="en">
-                          <a:solidFill>
-                            <a:srgbClr val="274E13"/>
-                          </a:solidFill>
-                        </a:rPr>
-                        <a:t>Best Tackle Intercepts:</a:t>
-                      </a:r>
-                      <a:endParaRPr b="1">
-                        <a:solidFill>
-                          <a:srgbClr val="274E13"/>
-                        </a:solidFill>
-                      </a:endParaRPr>
-                    </a:p>
-                  </a:txBody>
-                  <a:tcPr marT="91425" marB="91425" marR="91425" marL="91425"/>
-                </a:tc>
-                <a:tc>
-                  <a:txBody>
-                    <a:bodyPr/>
-                    <a:lstStyle/>
-                    <a:p>
-                      <a:pPr indent="0" lvl="0" marL="0" rtl="0" algn="l">
-                        <a:spcBef>
-                          <a:spcPts val="0"/>
-                        </a:spcBef>
-                        <a:spcAft>
-                          <a:spcPts val="0"/>
-                        </a:spcAft>
-                        <a:buNone/>
-                      </a:pPr>
-                      <a:r>
-                        <a:rPr b="1" lang="en">
-                          <a:solidFill>
-                            <a:srgbClr val="0000FF"/>
-                          </a:solidFill>
-                        </a:rPr>
-                        <a:t>Best Nose Intercepts:</a:t>
-                      </a:r>
-                      <a:endParaRPr b="1">
-                        <a:solidFill>
-                          <a:srgbClr val="0000FF"/>
-                        </a:solidFill>
-                      </a:endParaRPr>
-                    </a:p>
-                  </a:txBody>
-                  <a:tcPr marT="91425" marB="91425" marR="91425" marL="91425"/>
-                </a:tc>
-              </a:tr>
-              <a:tr h="378100">
-                <a:tc>
-                  <a:txBody>
-                    <a:bodyPr/>
-                    <a:lstStyle/>
-                    <a:p>
-                      <a:pPr indent="0" lvl="0" marL="0" rtl="0" algn="l">
-                        <a:spcBef>
-                          <a:spcPts val="0"/>
-                        </a:spcBef>
-                        <a:spcAft>
-                          <a:spcPts val="0"/>
-                        </a:spcAft>
-                        <a:buNone/>
-                      </a:pPr>
-                      <a:r>
-                        <a:rPr lang="en">
-                          <a:solidFill>
-                            <a:schemeClr val="dk1"/>
-                          </a:solidFill>
-                        </a:rPr>
-                        <a:t>1. Justin Houston, KC</a:t>
-                      </a:r>
-                      <a:endParaRPr/>
-                    </a:p>
-                  </a:txBody>
-                  <a:tcPr marT="91425" marB="91425" marR="91425" marL="91425"/>
-                </a:tc>
-                <a:tc>
-                  <a:txBody>
-                    <a:bodyPr/>
-                    <a:lstStyle/>
-                    <a:p>
-                      <a:pPr indent="0" lvl="0" marL="0" rtl="0" algn="l">
-                        <a:spcBef>
-                          <a:spcPts val="0"/>
-                        </a:spcBef>
-                        <a:spcAft>
-                          <a:spcPts val="0"/>
-                        </a:spcAft>
-                        <a:buNone/>
-                      </a:pPr>
-                      <a:r>
-                        <a:rPr lang="en">
-                          <a:solidFill>
-                            <a:schemeClr val="dk1"/>
-                          </a:solidFill>
-                        </a:rPr>
-                        <a:t>1</a:t>
-                      </a:r>
-                      <a:r>
-                        <a:rPr lang="en">
-                          <a:solidFill>
-                            <a:schemeClr val="dk1"/>
-                          </a:solidFill>
-                        </a:rPr>
-                        <a:t>. D.J. Reader, HOU</a:t>
-                      </a:r>
-                      <a:endParaRPr/>
-                    </a:p>
-                  </a:txBody>
-                  <a:tcPr marT="91425" marB="91425" marR="91425" marL="91425"/>
-                </a:tc>
-                <a:tc>
-                  <a:txBody>
-                    <a:bodyPr/>
-                    <a:lstStyle/>
-                    <a:p>
-                      <a:pPr indent="0" lvl="0" marL="0" rtl="0" algn="l">
-                        <a:spcBef>
-                          <a:spcPts val="0"/>
-                        </a:spcBef>
-                        <a:spcAft>
-                          <a:spcPts val="0"/>
-                        </a:spcAft>
-                        <a:buClr>
-                          <a:schemeClr val="dk1"/>
-                        </a:buClr>
-                        <a:buSzPts val="1100"/>
-                        <a:buFont typeface="Arial"/>
-                        <a:buNone/>
-                      </a:pPr>
-                      <a:r>
-                        <a:rPr lang="en">
-                          <a:solidFill>
-                            <a:schemeClr val="dk1"/>
-                          </a:solidFill>
-                        </a:rPr>
-                        <a:t>1. Grover Stewart, IND</a:t>
-                      </a:r>
-                      <a:endParaRPr/>
-                    </a:p>
-                  </a:txBody>
-                  <a:tcPr marT="91425" marB="91425" marR="91425" marL="91425"/>
-                </a:tc>
-              </a:tr>
-              <a:tr h="378100">
-                <a:tc>
-                  <a:txBody>
-                    <a:bodyPr/>
-                    <a:lstStyle/>
-                    <a:p>
-                      <a:pPr indent="0" lvl="0" marL="0" rtl="0" algn="l">
-                        <a:spcBef>
-                          <a:spcPts val="0"/>
-                        </a:spcBef>
-                        <a:spcAft>
-                          <a:spcPts val="0"/>
-                        </a:spcAft>
-                        <a:buNone/>
-                      </a:pPr>
-                      <a:r>
-                        <a:rPr lang="en"/>
-                        <a:t>2. Khalil Mack, CHI</a:t>
-                      </a:r>
-                      <a:endParaRPr/>
-                    </a:p>
-                  </a:txBody>
-                  <a:tcPr marT="91425" marB="91425" marR="91425" marL="91425"/>
-                </a:tc>
-                <a:tc>
-                  <a:txBody>
-                    <a:bodyPr/>
-                    <a:lstStyle/>
-                    <a:p>
-                      <a:pPr indent="0" lvl="0" marL="0" rtl="0" algn="l">
-                        <a:spcBef>
-                          <a:spcPts val="0"/>
-                        </a:spcBef>
-                        <a:spcAft>
-                          <a:spcPts val="0"/>
-                        </a:spcAft>
-                        <a:buNone/>
-                      </a:pPr>
-                      <a:r>
-                        <a:rPr lang="en">
-                          <a:solidFill>
-                            <a:schemeClr val="dk1"/>
-                          </a:solidFill>
-                        </a:rPr>
-                        <a:t>2. Tyson Alualu, PIT</a:t>
-                      </a:r>
-                      <a:endParaRPr/>
-                    </a:p>
-                  </a:txBody>
-                  <a:tcPr marT="91425" marB="91425" marR="91425" marL="91425"/>
-                </a:tc>
-                <a:tc>
-                  <a:txBody>
-                    <a:bodyPr/>
-                    <a:lstStyle/>
-                    <a:p>
-                      <a:pPr indent="0" lvl="0" marL="0" rtl="0" algn="l">
-                        <a:spcBef>
-                          <a:spcPts val="0"/>
-                        </a:spcBef>
-                        <a:spcAft>
-                          <a:spcPts val="0"/>
-                        </a:spcAft>
-                        <a:buNone/>
-                      </a:pPr>
-                      <a:r>
-                        <a:rPr lang="en"/>
-                        <a:t>2. Damon Harrison, DET</a:t>
-                      </a:r>
-                      <a:endParaRPr/>
-                    </a:p>
-                  </a:txBody>
-                  <a:tcPr marT="91425" marB="91425" marR="91425" marL="91425"/>
-                </a:tc>
-              </a:tr>
-              <a:tr h="378100">
-                <a:tc>
-                  <a:txBody>
-                    <a:bodyPr/>
-                    <a:lstStyle/>
-                    <a:p>
-                      <a:pPr indent="0" lvl="0" marL="0" rtl="0" algn="l">
-                        <a:spcBef>
-                          <a:spcPts val="0"/>
-                        </a:spcBef>
-                        <a:spcAft>
-                          <a:spcPts val="0"/>
-                        </a:spcAft>
-                        <a:buNone/>
-                      </a:pPr>
-                      <a:r>
-                        <a:rPr lang="en"/>
-                        <a:t>3. Dante Fowler, LA</a:t>
-                      </a:r>
-                      <a:endParaRPr/>
-                    </a:p>
-                  </a:txBody>
-                  <a:tcPr marT="91425" marB="91425" marR="91425" marL="91425"/>
-                </a:tc>
-                <a:tc>
-                  <a:txBody>
-                    <a:bodyPr/>
-                    <a:lstStyle/>
-                    <a:p>
-                      <a:pPr indent="0" lvl="0" marL="0" rtl="0" algn="l">
-                        <a:spcBef>
-                          <a:spcPts val="0"/>
-                        </a:spcBef>
-                        <a:spcAft>
-                          <a:spcPts val="0"/>
-                        </a:spcAft>
-                        <a:buNone/>
-                      </a:pPr>
-                      <a:r>
-                        <a:rPr lang="en">
-                          <a:solidFill>
-                            <a:schemeClr val="dk1"/>
-                          </a:solidFill>
-                        </a:rPr>
-                        <a:t>3. Leonard Williams, NYG</a:t>
-                      </a:r>
-                      <a:endParaRPr/>
-                    </a:p>
-                  </a:txBody>
-                  <a:tcPr marT="91425" marB="91425" marR="91425" marL="91425"/>
-                </a:tc>
-                <a:tc>
-                  <a:txBody>
-                    <a:bodyPr/>
-                    <a:lstStyle/>
-                    <a:p>
-                      <a:pPr indent="0" lvl="0" marL="0" rtl="0" algn="l">
-                        <a:spcBef>
-                          <a:spcPts val="0"/>
-                        </a:spcBef>
-                        <a:spcAft>
-                          <a:spcPts val="0"/>
-                        </a:spcAft>
-                        <a:buNone/>
-                      </a:pPr>
-                      <a:r>
-                        <a:rPr lang="en"/>
-                        <a:t>3. Nick Williams, CHI</a:t>
-                      </a:r>
-                      <a:endParaRPr/>
-                    </a:p>
-                  </a:txBody>
-                  <a:tcPr marT="91425" marB="91425" marR="91425" marL="91425"/>
-                </a:tc>
-              </a:tr>
-              <a:tr h="378100">
-                <a:tc>
-                  <a:txBody>
-                    <a:bodyPr/>
-                    <a:lstStyle/>
-                    <a:p>
-                      <a:pPr indent="0" lvl="0" marL="0" rtl="0" algn="l">
-                        <a:spcBef>
-                          <a:spcPts val="0"/>
-                        </a:spcBef>
-                        <a:spcAft>
-                          <a:spcPts val="0"/>
-                        </a:spcAft>
-                        <a:buNone/>
-                      </a:pPr>
-                      <a:r>
-                        <a:rPr lang="en"/>
-                        <a:t>4. Brandon Graham, PHI</a:t>
-                      </a:r>
-                      <a:endParaRPr/>
-                    </a:p>
-                  </a:txBody>
-                  <a:tcPr marT="91425" marB="91425" marR="91425" marL="91425"/>
-                </a:tc>
-                <a:tc>
-                  <a:txBody>
-                    <a:bodyPr/>
-                    <a:lstStyle/>
-                    <a:p>
-                      <a:pPr indent="0" lvl="0" marL="0" rtl="0" algn="l">
-                        <a:spcBef>
-                          <a:spcPts val="0"/>
-                        </a:spcBef>
-                        <a:spcAft>
-                          <a:spcPts val="0"/>
-                        </a:spcAft>
-                        <a:buNone/>
-                      </a:pPr>
-                      <a:r>
-                        <a:rPr lang="en">
-                          <a:solidFill>
-                            <a:schemeClr val="dk1"/>
-                          </a:solidFill>
-                        </a:rPr>
-                        <a:t>4. Fletcher Cox, PHI</a:t>
-                      </a:r>
-                      <a:endParaRPr/>
-                    </a:p>
-                  </a:txBody>
-                  <a:tcPr marT="91425" marB="91425" marR="91425" marL="91425"/>
-                </a:tc>
-                <a:tc>
-                  <a:txBody>
-                    <a:bodyPr/>
-                    <a:lstStyle/>
-                    <a:p>
-                      <a:pPr indent="0" lvl="0" marL="0" rtl="0" algn="l">
-                        <a:spcBef>
-                          <a:spcPts val="0"/>
-                        </a:spcBef>
-                        <a:spcAft>
-                          <a:spcPts val="0"/>
-                        </a:spcAft>
-                        <a:buNone/>
-                      </a:pPr>
-                      <a:r>
-                        <a:rPr lang="en"/>
-                        <a:t>4. D.J. Jones, SF</a:t>
-                      </a:r>
-                      <a:endParaRPr/>
-                    </a:p>
-                  </a:txBody>
-                  <a:tcPr marT="91425" marB="91425" marR="91425" marL="91425"/>
-                </a:tc>
-              </a:tr>
-              <a:tr h="378100">
-                <a:tc>
-                  <a:txBody>
-                    <a:bodyPr/>
-                    <a:lstStyle/>
-                    <a:p>
-                      <a:pPr indent="0" lvl="0" marL="0" rtl="0" algn="l">
-                        <a:spcBef>
-                          <a:spcPts val="0"/>
-                        </a:spcBef>
-                        <a:spcAft>
-                          <a:spcPts val="0"/>
-                        </a:spcAft>
-                        <a:buNone/>
-                      </a:pPr>
-                      <a:r>
-                        <a:rPr lang="en"/>
-                        <a:t>5. Bud Dupree, PIT</a:t>
-                      </a:r>
-                      <a:endParaRPr/>
-                    </a:p>
-                  </a:txBody>
-                  <a:tcPr marT="91425" marB="91425" marR="91425" marL="91425"/>
-                </a:tc>
-                <a:tc>
-                  <a:txBody>
-                    <a:bodyPr/>
-                    <a:lstStyle/>
-                    <a:p>
-                      <a:pPr indent="0" lvl="0" marL="0" rtl="0" algn="l">
-                        <a:spcBef>
-                          <a:spcPts val="0"/>
-                        </a:spcBef>
-                        <a:spcAft>
-                          <a:spcPts val="0"/>
-                        </a:spcAft>
-                        <a:buNone/>
-                      </a:pPr>
-                      <a:r>
-                        <a:rPr lang="en"/>
-                        <a:t>5. Henry Anderson, NYJ</a:t>
-                      </a:r>
-                      <a:endParaRPr/>
-                    </a:p>
-                  </a:txBody>
-                  <a:tcPr marT="91425" marB="91425" marR="91425" marL="91425"/>
-                </a:tc>
-                <a:tc>
-                  <a:txBody>
-                    <a:bodyPr/>
-                    <a:lstStyle/>
-                    <a:p>
-                      <a:pPr indent="0" lvl="0" marL="0" rtl="0" algn="l">
-                        <a:spcBef>
-                          <a:spcPts val="0"/>
-                        </a:spcBef>
-                        <a:spcAft>
-                          <a:spcPts val="0"/>
-                        </a:spcAft>
-                        <a:buNone/>
-                      </a:pPr>
-                      <a:r>
-                        <a:rPr lang="en"/>
-                        <a:t>5. Malcom Brown, NO</a:t>
-                      </a:r>
-                      <a:endParaRPr/>
-                    </a:p>
-                  </a:txBody>
-                  <a:tcPr marT="91425" marB="91425" marR="91425" marL="91425"/>
-                </a:tc>
-              </a:tr>
-            </a:tbl>
-          </a:graphicData>
-        </a:graphic>
-      </p:graphicFrame>
+        </p:nvPicPr>
+        <p:blipFill>
+          <a:blip r:embed="rId3">
+            <a:alphaModFix/>
+          </a:blip>
+          <a:stretch>
+            <a:fillRect/>
+          </a:stretch>
+        </p:blipFill>
+        <p:spPr>
+          <a:xfrm>
+            <a:off x="831325" y="739425"/>
+            <a:ext cx="7481362" cy="4171426"/>
+          </a:xfrm>
+          <a:prstGeom prst="rect">
+            <a:avLst/>
+          </a:prstGeom>
+          <a:noFill/>
+          <a:ln>
+            <a:noFill/>
+          </a:ln>
+        </p:spPr>
+      </p:pic>
     </p:spTree>
   </p:cSld>
   <p:clrMapOvr>
@@ -12037,125 +12245,526 @@
               <a:buNone/>
             </a:pPr>
             <a:r>
-              <a:rPr lang="en">
-                <a:solidFill>
-                  <a:srgbClr val="0000FF"/>
-                </a:solidFill>
-              </a:rPr>
-              <a:t>Non-Designated Run Gap: Intro</a:t>
-            </a:r>
-            <a:endParaRPr>
-              <a:solidFill>
-                <a:srgbClr val="0000FF"/>
-              </a:solidFill>
-            </a:endParaRPr>
+              <a:rPr lang="en"/>
+              <a:t>Rushing Success Rate: Top Performers</a:t>
+            </a:r>
+            <a:endParaRPr/>
           </a:p>
         </p:txBody>
       </p:sp>
-      <p:sp>
-        <p:nvSpPr>
+      <p:graphicFrame>
+        <p:nvGraphicFramePr>
           <p:cNvPr id="200" name="Google Shape;200;p36"/>
-          <p:cNvSpPr txBox="1"/>
-          <p:nvPr>
-            <p:ph idx="1" type="body"/>
-          </p:nvPr>
-        </p:nvSpPr>
-        <p:spPr>
-          <a:xfrm>
-            <a:off x="311700" y="1152475"/>
-            <a:ext cx="8520600" cy="3702300"/>
-          </a:xfrm>
-          <a:prstGeom prst="rect">
-            <a:avLst/>
-          </a:prstGeom>
-        </p:spPr>
-        <p:txBody>
-          <a:bodyPr anchorCtr="0" anchor="t" bIns="91425" lIns="91425" spcFirstLastPara="1" rIns="91425" wrap="square" tIns="91425">
-            <a:noAutofit/>
-          </a:bodyPr>
-          <a:lstStyle/>
-          <a:p>
-            <a:pPr indent="457200" lvl="0" marL="0" rtl="0" algn="l">
-              <a:spcBef>
-                <a:spcPts val="0"/>
-              </a:spcBef>
-              <a:spcAft>
-                <a:spcPts val="1600"/>
-              </a:spcAft>
-              <a:buNone/>
-            </a:pPr>
-            <a:r>
-              <a:rPr lang="en">
-                <a:solidFill>
-                  <a:srgbClr val="000000"/>
-                </a:solidFill>
-              </a:rPr>
-              <a:t>Plays where the runner is</a:t>
-            </a:r>
-            <a:r>
-              <a:rPr lang="en">
-                <a:solidFill>
-                  <a:srgbClr val="000000"/>
-                </a:solidFill>
-              </a:rPr>
-              <a:t> forced to use a non-designated have a lower average EPA of .06. This is one of the few situations where the defensive line controls the outcome with little noise from other players. I am crediting a defensive player with a role in forcing a gap change if the run was toward their side. The reason for doing this rather than just for plays toward the gap they lined up at, is that </a:t>
-            </a:r>
-            <a:r>
-              <a:rPr lang="en">
-                <a:solidFill>
-                  <a:srgbClr val="000000"/>
-                </a:solidFill>
-              </a:rPr>
-              <a:t>oftentimes</a:t>
-            </a:r>
-            <a:r>
-              <a:rPr lang="en">
-                <a:solidFill>
-                  <a:srgbClr val="000000"/>
-                </a:solidFill>
-              </a:rPr>
-              <a:t> an unexpected player in the backfield forces a change before the runner can even get to the gap. It also increases the sample size for each player and accounts for twists and stunts where the D-line are </a:t>
-            </a:r>
-            <a:r>
-              <a:rPr lang="en">
-                <a:solidFill>
-                  <a:srgbClr val="000000"/>
-                </a:solidFill>
-              </a:rPr>
-              <a:t>responsible</a:t>
-            </a:r>
-            <a:r>
-              <a:rPr lang="en">
-                <a:solidFill>
-                  <a:srgbClr val="000000"/>
-                </a:solidFill>
-              </a:rPr>
-              <a:t> for different gaps than where they lined up before the snap. Additionally, assigning exact gap </a:t>
-            </a:r>
-            <a:r>
-              <a:rPr lang="en">
-                <a:solidFill>
-                  <a:srgbClr val="000000"/>
-                </a:solidFill>
-              </a:rPr>
-              <a:t>responsibilities</a:t>
-            </a:r>
-            <a:r>
-              <a:rPr lang="en">
-                <a:solidFill>
-                  <a:srgbClr val="000000"/>
-                </a:solidFill>
-              </a:rPr>
-              <a:t> is trickier for Edge defenders and run plays toward the C and D gaps, even if there are no twists taking place. </a:t>
-            </a:r>
-            <a:endParaRPr>
-              <a:solidFill>
-                <a:srgbClr val="000000"/>
-              </a:solidFill>
-            </a:endParaRPr>
-          </a:p>
-        </p:txBody>
-      </p:sp>
+          <p:cNvGraphicFramePr/>
+          <p:nvPr/>
+        </p:nvGraphicFramePr>
+        <p:xfrm>
+          <a:off x="769575" y="1571900"/>
+          <a:ext cx="3000000" cy="3000000"/>
+        </p:xfrm>
+        <a:graphic>
+          <a:graphicData uri="http://schemas.openxmlformats.org/drawingml/2006/table">
+            <a:tbl>
+              <a:tblPr>
+                <a:noFill/>
+                <a:tableStyleId>{29E7CF9D-7101-4BEA-94D9-759C4D41E868}</a:tableStyleId>
+              </a:tblPr>
+              <a:tblGrid>
+                <a:gridCol w="2435925"/>
+                <a:gridCol w="2435925"/>
+                <a:gridCol w="2480450"/>
+              </a:tblGrid>
+              <a:tr h="378100">
+                <a:tc>
+                  <a:txBody>
+                    <a:bodyPr/>
+                    <a:lstStyle/>
+                    <a:p>
+                      <a:pPr indent="0" lvl="0" marL="0" rtl="0" algn="l">
+                        <a:spcBef>
+                          <a:spcPts val="0"/>
+                        </a:spcBef>
+                        <a:spcAft>
+                          <a:spcPts val="0"/>
+                        </a:spcAft>
+                        <a:buNone/>
+                      </a:pPr>
+                      <a:r>
+                        <a:rPr b="1" lang="en">
+                          <a:solidFill>
+                            <a:srgbClr val="FF0000"/>
+                          </a:solidFill>
+                        </a:rPr>
+                        <a:t>Best Edge Intercepts:</a:t>
+                      </a:r>
+                      <a:endParaRPr b="1">
+                        <a:solidFill>
+                          <a:srgbClr val="FF0000"/>
+                        </a:solidFill>
+                      </a:endParaRPr>
+                    </a:p>
+                  </a:txBody>
+                  <a:tcPr marT="91425" marB="91425" marR="91425" marL="91425"/>
+                </a:tc>
+                <a:tc>
+                  <a:txBody>
+                    <a:bodyPr/>
+                    <a:lstStyle/>
+                    <a:p>
+                      <a:pPr indent="0" lvl="0" marL="0" rtl="0" algn="l">
+                        <a:spcBef>
+                          <a:spcPts val="0"/>
+                        </a:spcBef>
+                        <a:spcAft>
+                          <a:spcPts val="0"/>
+                        </a:spcAft>
+                        <a:buNone/>
+                      </a:pPr>
+                      <a:r>
+                        <a:rPr b="1" lang="en">
+                          <a:solidFill>
+                            <a:srgbClr val="274E13"/>
+                          </a:solidFill>
+                        </a:rPr>
+                        <a:t>Best Tackle Intercepts:</a:t>
+                      </a:r>
+                      <a:endParaRPr b="1">
+                        <a:solidFill>
+                          <a:srgbClr val="274E13"/>
+                        </a:solidFill>
+                      </a:endParaRPr>
+                    </a:p>
+                  </a:txBody>
+                  <a:tcPr marT="91425" marB="91425" marR="91425" marL="91425"/>
+                </a:tc>
+                <a:tc>
+                  <a:txBody>
+                    <a:bodyPr/>
+                    <a:lstStyle/>
+                    <a:p>
+                      <a:pPr indent="0" lvl="0" marL="0" rtl="0" algn="l">
+                        <a:spcBef>
+                          <a:spcPts val="0"/>
+                        </a:spcBef>
+                        <a:spcAft>
+                          <a:spcPts val="0"/>
+                        </a:spcAft>
+                        <a:buNone/>
+                      </a:pPr>
+                      <a:r>
+                        <a:rPr b="1" lang="en">
+                          <a:solidFill>
+                            <a:srgbClr val="0000FF"/>
+                          </a:solidFill>
+                        </a:rPr>
+                        <a:t>Best Nose Intercepts:</a:t>
+                      </a:r>
+                      <a:endParaRPr b="1">
+                        <a:solidFill>
+                          <a:srgbClr val="0000FF"/>
+                        </a:solidFill>
+                      </a:endParaRPr>
+                    </a:p>
+                  </a:txBody>
+                  <a:tcPr marT="91425" marB="91425" marR="91425" marL="91425"/>
+                </a:tc>
+              </a:tr>
+              <a:tr h="378100">
+                <a:tc>
+                  <a:txBody>
+                    <a:bodyPr/>
+                    <a:lstStyle/>
+                    <a:p>
+                      <a:pPr indent="0" lvl="0" marL="0" rtl="0" algn="l">
+                        <a:spcBef>
+                          <a:spcPts val="0"/>
+                        </a:spcBef>
+                        <a:spcAft>
+                          <a:spcPts val="0"/>
+                        </a:spcAft>
+                        <a:buNone/>
+                      </a:pPr>
+                      <a:r>
+                        <a:rPr lang="en">
+                          <a:solidFill>
+                            <a:schemeClr val="dk1"/>
+                          </a:solidFill>
+                        </a:rPr>
+                        <a:t>1. Justin Houston, KC</a:t>
+                      </a:r>
+                      <a:endParaRPr/>
+                    </a:p>
+                  </a:txBody>
+                  <a:tcPr marT="91425" marB="91425" marR="91425" marL="91425"/>
+                </a:tc>
+                <a:tc>
+                  <a:txBody>
+                    <a:bodyPr/>
+                    <a:lstStyle/>
+                    <a:p>
+                      <a:pPr indent="0" lvl="0" marL="0" rtl="0" algn="l">
+                        <a:spcBef>
+                          <a:spcPts val="0"/>
+                        </a:spcBef>
+                        <a:spcAft>
+                          <a:spcPts val="0"/>
+                        </a:spcAft>
+                        <a:buNone/>
+                      </a:pPr>
+                      <a:r>
+                        <a:rPr lang="en">
+                          <a:solidFill>
+                            <a:schemeClr val="dk1"/>
+                          </a:solidFill>
+                        </a:rPr>
+                        <a:t>1</a:t>
+                      </a:r>
+                      <a:r>
+                        <a:rPr lang="en">
+                          <a:solidFill>
+                            <a:schemeClr val="dk1"/>
+                          </a:solidFill>
+                        </a:rPr>
+                        <a:t>. D.J. Reader, HOU</a:t>
+                      </a:r>
+                      <a:endParaRPr/>
+                    </a:p>
+                  </a:txBody>
+                  <a:tcPr marT="91425" marB="91425" marR="91425" marL="91425"/>
+                </a:tc>
+                <a:tc>
+                  <a:txBody>
+                    <a:bodyPr/>
+                    <a:lstStyle/>
+                    <a:p>
+                      <a:pPr indent="0" lvl="0" marL="0" rtl="0" algn="l">
+                        <a:spcBef>
+                          <a:spcPts val="0"/>
+                        </a:spcBef>
+                        <a:spcAft>
+                          <a:spcPts val="0"/>
+                        </a:spcAft>
+                        <a:buClr>
+                          <a:schemeClr val="dk1"/>
+                        </a:buClr>
+                        <a:buSzPts val="1100"/>
+                        <a:buFont typeface="Arial"/>
+                        <a:buNone/>
+                      </a:pPr>
+                      <a:r>
+                        <a:rPr lang="en">
+                          <a:solidFill>
+                            <a:schemeClr val="dk1"/>
+                          </a:solidFill>
+                        </a:rPr>
+                        <a:t>1. Grover Stewart, IND</a:t>
+                      </a:r>
+                      <a:endParaRPr/>
+                    </a:p>
+                  </a:txBody>
+                  <a:tcPr marT="91425" marB="91425" marR="91425" marL="91425"/>
+                </a:tc>
+              </a:tr>
+              <a:tr h="378100">
+                <a:tc>
+                  <a:txBody>
+                    <a:bodyPr/>
+                    <a:lstStyle/>
+                    <a:p>
+                      <a:pPr indent="0" lvl="0" marL="0" rtl="0" algn="l">
+                        <a:spcBef>
+                          <a:spcPts val="0"/>
+                        </a:spcBef>
+                        <a:spcAft>
+                          <a:spcPts val="0"/>
+                        </a:spcAft>
+                        <a:buNone/>
+                      </a:pPr>
+                      <a:r>
+                        <a:rPr lang="en"/>
+                        <a:t>2. Khalil Mack, CHI</a:t>
+                      </a:r>
+                      <a:endParaRPr/>
+                    </a:p>
+                  </a:txBody>
+                  <a:tcPr marT="91425" marB="91425" marR="91425" marL="91425"/>
+                </a:tc>
+                <a:tc>
+                  <a:txBody>
+                    <a:bodyPr/>
+                    <a:lstStyle/>
+                    <a:p>
+                      <a:pPr indent="0" lvl="0" marL="0" rtl="0" algn="l">
+                        <a:spcBef>
+                          <a:spcPts val="0"/>
+                        </a:spcBef>
+                        <a:spcAft>
+                          <a:spcPts val="0"/>
+                        </a:spcAft>
+                        <a:buNone/>
+                      </a:pPr>
+                      <a:r>
+                        <a:rPr lang="en">
+                          <a:solidFill>
+                            <a:schemeClr val="dk1"/>
+                          </a:solidFill>
+                        </a:rPr>
+                        <a:t>2. Tyson Alualu, PIT</a:t>
+                      </a:r>
+                      <a:endParaRPr/>
+                    </a:p>
+                  </a:txBody>
+                  <a:tcPr marT="91425" marB="91425" marR="91425" marL="91425"/>
+                </a:tc>
+                <a:tc>
+                  <a:txBody>
+                    <a:bodyPr/>
+                    <a:lstStyle/>
+                    <a:p>
+                      <a:pPr indent="0" lvl="0" marL="0" rtl="0" algn="l">
+                        <a:spcBef>
+                          <a:spcPts val="0"/>
+                        </a:spcBef>
+                        <a:spcAft>
+                          <a:spcPts val="0"/>
+                        </a:spcAft>
+                        <a:buNone/>
+                      </a:pPr>
+                      <a:r>
+                        <a:rPr lang="en"/>
+                        <a:t>2. Damon Harrison, DET</a:t>
+                      </a:r>
+                      <a:endParaRPr/>
+                    </a:p>
+                  </a:txBody>
+                  <a:tcPr marT="91425" marB="91425" marR="91425" marL="91425"/>
+                </a:tc>
+              </a:tr>
+              <a:tr h="378100">
+                <a:tc>
+                  <a:txBody>
+                    <a:bodyPr/>
+                    <a:lstStyle/>
+                    <a:p>
+                      <a:pPr indent="0" lvl="0" marL="0" rtl="0" algn="l">
+                        <a:spcBef>
+                          <a:spcPts val="0"/>
+                        </a:spcBef>
+                        <a:spcAft>
+                          <a:spcPts val="0"/>
+                        </a:spcAft>
+                        <a:buNone/>
+                      </a:pPr>
+                      <a:r>
+                        <a:rPr lang="en"/>
+                        <a:t>3. Dante Fowler, LA</a:t>
+                      </a:r>
+                      <a:endParaRPr/>
+                    </a:p>
+                  </a:txBody>
+                  <a:tcPr marT="91425" marB="91425" marR="91425" marL="91425"/>
+                </a:tc>
+                <a:tc>
+                  <a:txBody>
+                    <a:bodyPr/>
+                    <a:lstStyle/>
+                    <a:p>
+                      <a:pPr indent="0" lvl="0" marL="0" rtl="0" algn="l">
+                        <a:spcBef>
+                          <a:spcPts val="0"/>
+                        </a:spcBef>
+                        <a:spcAft>
+                          <a:spcPts val="0"/>
+                        </a:spcAft>
+                        <a:buNone/>
+                      </a:pPr>
+                      <a:r>
+                        <a:rPr lang="en">
+                          <a:solidFill>
+                            <a:schemeClr val="dk1"/>
+                          </a:solidFill>
+                        </a:rPr>
+                        <a:t>3. Leonard Williams, NYG</a:t>
+                      </a:r>
+                      <a:endParaRPr/>
+                    </a:p>
+                  </a:txBody>
+                  <a:tcPr marT="91425" marB="91425" marR="91425" marL="91425"/>
+                </a:tc>
+                <a:tc>
+                  <a:txBody>
+                    <a:bodyPr/>
+                    <a:lstStyle/>
+                    <a:p>
+                      <a:pPr indent="0" lvl="0" marL="0" rtl="0" algn="l">
+                        <a:spcBef>
+                          <a:spcPts val="0"/>
+                        </a:spcBef>
+                        <a:spcAft>
+                          <a:spcPts val="0"/>
+                        </a:spcAft>
+                        <a:buNone/>
+                      </a:pPr>
+                      <a:r>
+                        <a:rPr lang="en"/>
+                        <a:t>3. Nick Williams, CHI</a:t>
+                      </a:r>
+                      <a:endParaRPr/>
+                    </a:p>
+                  </a:txBody>
+                  <a:tcPr marT="91425" marB="91425" marR="91425" marL="91425"/>
+                </a:tc>
+              </a:tr>
+              <a:tr h="378100">
+                <a:tc>
+                  <a:txBody>
+                    <a:bodyPr/>
+                    <a:lstStyle/>
+                    <a:p>
+                      <a:pPr indent="0" lvl="0" marL="0" rtl="0" algn="l">
+                        <a:spcBef>
+                          <a:spcPts val="0"/>
+                        </a:spcBef>
+                        <a:spcAft>
+                          <a:spcPts val="0"/>
+                        </a:spcAft>
+                        <a:buNone/>
+                      </a:pPr>
+                      <a:r>
+                        <a:rPr lang="en"/>
+                        <a:t>4. Brandon Graham, PHI</a:t>
+                      </a:r>
+                      <a:endParaRPr/>
+                    </a:p>
+                  </a:txBody>
+                  <a:tcPr marT="91425" marB="91425" marR="91425" marL="91425"/>
+                </a:tc>
+                <a:tc>
+                  <a:txBody>
+                    <a:bodyPr/>
+                    <a:lstStyle/>
+                    <a:p>
+                      <a:pPr indent="0" lvl="0" marL="0" rtl="0" algn="l">
+                        <a:spcBef>
+                          <a:spcPts val="0"/>
+                        </a:spcBef>
+                        <a:spcAft>
+                          <a:spcPts val="0"/>
+                        </a:spcAft>
+                        <a:buNone/>
+                      </a:pPr>
+                      <a:r>
+                        <a:rPr lang="en">
+                          <a:solidFill>
+                            <a:schemeClr val="dk1"/>
+                          </a:solidFill>
+                        </a:rPr>
+                        <a:t>4. Fletcher Cox, PHI</a:t>
+                      </a:r>
+                      <a:endParaRPr/>
+                    </a:p>
+                  </a:txBody>
+                  <a:tcPr marT="91425" marB="91425" marR="91425" marL="91425"/>
+                </a:tc>
+                <a:tc>
+                  <a:txBody>
+                    <a:bodyPr/>
+                    <a:lstStyle/>
+                    <a:p>
+                      <a:pPr indent="0" lvl="0" marL="0" rtl="0" algn="l">
+                        <a:spcBef>
+                          <a:spcPts val="0"/>
+                        </a:spcBef>
+                        <a:spcAft>
+                          <a:spcPts val="0"/>
+                        </a:spcAft>
+                        <a:buNone/>
+                      </a:pPr>
+                      <a:r>
+                        <a:rPr lang="en"/>
+                        <a:t>4. D.J. Jones, SF</a:t>
+                      </a:r>
+                      <a:endParaRPr/>
+                    </a:p>
+                  </a:txBody>
+                  <a:tcPr marT="91425" marB="91425" marR="91425" marL="91425"/>
+                </a:tc>
+              </a:tr>
+              <a:tr h="378100">
+                <a:tc>
+                  <a:txBody>
+                    <a:bodyPr/>
+                    <a:lstStyle/>
+                    <a:p>
+                      <a:pPr indent="0" lvl="0" marL="0" rtl="0" algn="l">
+                        <a:spcBef>
+                          <a:spcPts val="0"/>
+                        </a:spcBef>
+                        <a:spcAft>
+                          <a:spcPts val="0"/>
+                        </a:spcAft>
+                        <a:buNone/>
+                      </a:pPr>
+                      <a:r>
+                        <a:rPr lang="en"/>
+                        <a:t>5. Bud Dupree, PIT</a:t>
+                      </a:r>
+                      <a:endParaRPr/>
+                    </a:p>
+                  </a:txBody>
+                  <a:tcPr marT="91425" marB="91425" marR="91425" marL="91425"/>
+                </a:tc>
+                <a:tc>
+                  <a:txBody>
+                    <a:bodyPr/>
+                    <a:lstStyle/>
+                    <a:p>
+                      <a:pPr indent="0" lvl="0" marL="0" rtl="0" algn="l">
+                        <a:spcBef>
+                          <a:spcPts val="0"/>
+                        </a:spcBef>
+                        <a:spcAft>
+                          <a:spcPts val="0"/>
+                        </a:spcAft>
+                        <a:buNone/>
+                      </a:pPr>
+                      <a:r>
+                        <a:rPr lang="en"/>
+                        <a:t>5. Henry Anderson, NYJ</a:t>
+                      </a:r>
+                      <a:endParaRPr/>
+                    </a:p>
+                  </a:txBody>
+                  <a:tcPr marT="91425" marB="91425" marR="91425" marL="91425"/>
+                </a:tc>
+                <a:tc>
+                  <a:txBody>
+                    <a:bodyPr/>
+                    <a:lstStyle/>
+                    <a:p>
+                      <a:pPr indent="0" lvl="0" marL="0" rtl="0" algn="l">
+                        <a:spcBef>
+                          <a:spcPts val="0"/>
+                        </a:spcBef>
+                        <a:spcAft>
+                          <a:spcPts val="0"/>
+                        </a:spcAft>
+                        <a:buNone/>
+                      </a:pPr>
+                      <a:r>
+                        <a:rPr lang="en"/>
+                        <a:t>5. Malcom Brown, NO</a:t>
+                      </a:r>
+                      <a:endParaRPr/>
+                    </a:p>
+                  </a:txBody>
+                  <a:tcPr marT="91425" marB="91425" marR="91425" marL="91425"/>
+                </a:tc>
+              </a:tr>
+            </a:tbl>
+          </a:graphicData>
+        </a:graphic>
+      </p:graphicFrame>
     </p:spTree>
   </p:cSld>
   <p:clrMapOvr>
@@ -12211,11 +12820,6 @@
               <a:spcAft>
                 <a:spcPts val="0"/>
               </a:spcAft>
-              <a:buClr>
-                <a:schemeClr val="dk1"/>
-              </a:buClr>
-              <a:buSzPts val="1100"/>
-              <a:buFont typeface="Arial"/>
               <a:buNone/>
             </a:pPr>
             <a:r>
@@ -12224,7 +12828,15 @@
                   <a:srgbClr val="0000FF"/>
                 </a:solidFill>
               </a:rPr>
-              <a:t>Non-Designated Run Gap: Model</a:t>
+              <a:t>Gap Changes Forced</a:t>
+            </a:r>
+            <a:r>
+              <a:rPr lang="en">
+                <a:solidFill>
+                  <a:srgbClr val="0000FF"/>
+                </a:solidFill>
+              </a:rPr>
+              <a:t>: Intro</a:t>
             </a:r>
             <a:endParaRPr>
               <a:solidFill>
@@ -12245,7 +12857,7 @@
         <p:spPr>
           <a:xfrm>
             <a:off x="311700" y="1152475"/>
-            <a:ext cx="8520600" cy="3416400"/>
+            <a:ext cx="8520600" cy="3702300"/>
           </a:xfrm>
           <a:prstGeom prst="rect">
             <a:avLst/>
@@ -12257,18 +12869,14 @@
           </a:bodyPr>
           <a:lstStyle/>
           <a:p>
-            <a:pPr indent="-342900" lvl="0" marL="457200" rtl="0" algn="l">
-              <a:spcBef>
-                <a:spcPts val="0"/>
-              </a:spcBef>
-              <a:spcAft>
-                <a:spcPts val="0"/>
-              </a:spcAft>
-              <a:buClr>
-                <a:srgbClr val="000000"/>
-              </a:buClr>
-              <a:buSzPts val="1800"/>
-              <a:buChar char="●"/>
+            <a:pPr indent="457200" lvl="0" marL="0" rtl="0" algn="l">
+              <a:spcBef>
+                <a:spcPts val="0"/>
+              </a:spcBef>
+              <a:spcAft>
+                <a:spcPts val="1600"/>
+              </a:spcAft>
+              <a:buNone/>
             </a:pPr>
             <a:r>
               <a:rPr lang="en">
@@ -12276,103 +12884,67 @@
                   <a:srgbClr val="000000"/>
                 </a:solidFill>
               </a:rPr>
-              <a:t>Mixed Effects Logit Model</a:t>
+              <a:t>Plays where the runner is</a:t>
+            </a:r>
+            <a:r>
+              <a:rPr lang="en">
+                <a:solidFill>
+                  <a:srgbClr val="000000"/>
+                </a:solidFill>
+              </a:rPr>
+              <a:t> forced to use a non-designated have a lower average EPA of .06. This is one of the few situations where the defensive line controls the outcome with little noise from other players. I am crediting a defensive player with a role in forcing a gap change if the run was toward their side. The reason for doing this rather than just for plays toward the gap they lined up at, is that </a:t>
+            </a:r>
+            <a:r>
+              <a:rPr lang="en">
+                <a:solidFill>
+                  <a:srgbClr val="000000"/>
+                </a:solidFill>
+              </a:rPr>
+              <a:t>oftentimes</a:t>
+            </a:r>
+            <a:r>
+              <a:rPr lang="en">
+                <a:solidFill>
+                  <a:srgbClr val="000000"/>
+                </a:solidFill>
+              </a:rPr>
+              <a:t> an unexpected player in the backfield forces a change before the runner can even get to the gap. It also increases the sample size for each player and accounts for twists and stunts where the D-line are </a:t>
+            </a:r>
+            <a:r>
+              <a:rPr lang="en">
+                <a:solidFill>
+                  <a:srgbClr val="000000"/>
+                </a:solidFill>
+              </a:rPr>
+              <a:t>responsible</a:t>
+            </a:r>
+            <a:r>
+              <a:rPr lang="en">
+                <a:solidFill>
+                  <a:srgbClr val="000000"/>
+                </a:solidFill>
+              </a:rPr>
+              <a:t> for different gaps than where they lined up before the snap. Additionally, assigning exact gap </a:t>
+            </a:r>
+            <a:r>
+              <a:rPr lang="en">
+                <a:solidFill>
+                  <a:srgbClr val="000000"/>
+                </a:solidFill>
+              </a:rPr>
+              <a:t>responsibilities</a:t>
+            </a:r>
+            <a:r>
+              <a:rPr lang="en">
+                <a:solidFill>
+                  <a:srgbClr val="000000"/>
+                </a:solidFill>
+              </a:rPr>
+              <a:t> is trickier for Edge defenders and run plays toward the C and D gaps, even if there are no twists taking place. </a:t>
             </a:r>
             <a:endParaRPr>
               <a:solidFill>
                 <a:srgbClr val="000000"/>
-              </a:solidFill>
-            </a:endParaRPr>
-          </a:p>
-          <a:p>
-            <a:pPr indent="-342900" lvl="0" marL="457200" rtl="0" algn="l">
-              <a:spcBef>
-                <a:spcPts val="1000"/>
-              </a:spcBef>
-              <a:spcAft>
-                <a:spcPts val="0"/>
-              </a:spcAft>
-              <a:buClr>
-                <a:srgbClr val="000000"/>
-              </a:buClr>
-              <a:buSzPts val="1800"/>
-              <a:buChar char="●"/>
-            </a:pPr>
-            <a:r>
-              <a:rPr lang="en">
-                <a:solidFill>
-                  <a:schemeClr val="dk1"/>
-                </a:solidFill>
-              </a:rPr>
-              <a:t>Fitler for rushing plays toward the direction where the defensive player lined up, unless they are in a 0 Technique</a:t>
-            </a:r>
-            <a:endParaRPr>
-              <a:solidFill>
-                <a:srgbClr val="000000"/>
-              </a:solidFill>
-            </a:endParaRPr>
-          </a:p>
-          <a:p>
-            <a:pPr indent="-342900" lvl="0" marL="457200" rtl="0" algn="l">
-              <a:spcBef>
-                <a:spcPts val="1000"/>
-              </a:spcBef>
-              <a:spcAft>
-                <a:spcPts val="0"/>
-              </a:spcAft>
-              <a:buClr>
-                <a:schemeClr val="dk1"/>
-              </a:buClr>
-              <a:buSzPts val="1800"/>
-              <a:buChar char="●"/>
-            </a:pPr>
-            <a:r>
-              <a:rPr lang="en">
-                <a:solidFill>
-                  <a:schemeClr val="dk1"/>
-                </a:solidFill>
-              </a:rPr>
-              <a:t>Formula: </a:t>
-            </a:r>
-            <a:r>
-              <a:rPr lang="en">
-                <a:solidFill>
-                  <a:srgbClr val="FF0000"/>
-                </a:solidFill>
-              </a:rPr>
-              <a:t>Used Designated Gap = RunGap + (1 | Player)</a:t>
-            </a:r>
-            <a:endParaRPr>
-              <a:solidFill>
-                <a:srgbClr val="FF0000"/>
-              </a:solidFill>
-            </a:endParaRPr>
-          </a:p>
-          <a:p>
-            <a:pPr indent="-342900" lvl="0" marL="457200" rtl="0" algn="l">
-              <a:spcBef>
-                <a:spcPts val="1000"/>
-              </a:spcBef>
-              <a:spcAft>
-                <a:spcPts val="1000"/>
-              </a:spcAft>
-              <a:buClr>
-                <a:schemeClr val="dk1"/>
-              </a:buClr>
-              <a:buSzPts val="1800"/>
-              <a:buChar char="●"/>
-            </a:pPr>
-            <a:r>
-              <a:rPr lang="en">
-                <a:solidFill>
-                  <a:schemeClr val="dk1"/>
-                </a:solidFill>
-              </a:rPr>
-              <a:t>There is not much need for control variables here, as I feel they would all add noise to the model</a:t>
-            </a:r>
-            <a:endParaRPr>
-              <a:solidFill>
-                <a:schemeClr val="dk1"/>
               </a:solidFill>
             </a:endParaRPr>
           </a:p>
@@ -12446,7 +13018,245 @@
                   <a:srgbClr val="0000FF"/>
                 </a:solidFill>
               </a:rPr>
-              <a:t>Non-Designated Run Gap: Distribution</a:t>
+              <a:t>Gap Changes Forced</a:t>
+            </a:r>
+            <a:r>
+              <a:rPr lang="en">
+                <a:solidFill>
+                  <a:srgbClr val="0000FF"/>
+                </a:solidFill>
+              </a:rPr>
+              <a:t>: Model</a:t>
+            </a:r>
+            <a:endParaRPr>
+              <a:solidFill>
+                <a:srgbClr val="0000FF"/>
+              </a:solidFill>
+            </a:endParaRPr>
+          </a:p>
+        </p:txBody>
+      </p:sp>
+      <p:sp>
+        <p:nvSpPr>
+          <p:cNvPr id="212" name="Google Shape;212;p38"/>
+          <p:cNvSpPr txBox="1"/>
+          <p:nvPr>
+            <p:ph idx="1" type="body"/>
+          </p:nvPr>
+        </p:nvSpPr>
+        <p:spPr>
+          <a:xfrm>
+            <a:off x="311700" y="1152475"/>
+            <a:ext cx="8520600" cy="3416400"/>
+          </a:xfrm>
+          <a:prstGeom prst="rect">
+            <a:avLst/>
+          </a:prstGeom>
+        </p:spPr>
+        <p:txBody>
+          <a:bodyPr anchorCtr="0" anchor="t" bIns="91425" lIns="91425" spcFirstLastPara="1" rIns="91425" wrap="square" tIns="91425">
+            <a:noAutofit/>
+          </a:bodyPr>
+          <a:lstStyle/>
+          <a:p>
+            <a:pPr indent="-342900" lvl="0" marL="457200" rtl="0" algn="l">
+              <a:spcBef>
+                <a:spcPts val="0"/>
+              </a:spcBef>
+              <a:spcAft>
+                <a:spcPts val="0"/>
+              </a:spcAft>
+              <a:buClr>
+                <a:srgbClr val="000000"/>
+              </a:buClr>
+              <a:buSzPts val="1800"/>
+              <a:buChar char="●"/>
+            </a:pPr>
+            <a:r>
+              <a:rPr lang="en">
+                <a:solidFill>
+                  <a:srgbClr val="000000"/>
+                </a:solidFill>
+              </a:rPr>
+              <a:t>Mixed Effects Logit Model</a:t>
+            </a:r>
+            <a:endParaRPr>
+              <a:solidFill>
+                <a:srgbClr val="000000"/>
+              </a:solidFill>
+            </a:endParaRPr>
+          </a:p>
+          <a:p>
+            <a:pPr indent="-342900" lvl="0" marL="457200" rtl="0" algn="l">
+              <a:spcBef>
+                <a:spcPts val="1000"/>
+              </a:spcBef>
+              <a:spcAft>
+                <a:spcPts val="0"/>
+              </a:spcAft>
+              <a:buClr>
+                <a:srgbClr val="000000"/>
+              </a:buClr>
+              <a:buSzPts val="1800"/>
+              <a:buChar char="●"/>
+            </a:pPr>
+            <a:r>
+              <a:rPr lang="en">
+                <a:solidFill>
+                  <a:schemeClr val="dk1"/>
+                </a:solidFill>
+              </a:rPr>
+              <a:t>Fitler for rushing plays toward the direction where the defensive player lined up, unless they are in a 0 Technique</a:t>
+            </a:r>
+            <a:endParaRPr>
+              <a:solidFill>
+                <a:srgbClr val="000000"/>
+              </a:solidFill>
+            </a:endParaRPr>
+          </a:p>
+          <a:p>
+            <a:pPr indent="-342900" lvl="0" marL="457200" rtl="0" algn="l">
+              <a:spcBef>
+                <a:spcPts val="1000"/>
+              </a:spcBef>
+              <a:spcAft>
+                <a:spcPts val="0"/>
+              </a:spcAft>
+              <a:buClr>
+                <a:schemeClr val="dk1"/>
+              </a:buClr>
+              <a:buSzPts val="1800"/>
+              <a:buChar char="●"/>
+            </a:pPr>
+            <a:r>
+              <a:rPr lang="en">
+                <a:solidFill>
+                  <a:schemeClr val="dk1"/>
+                </a:solidFill>
+              </a:rPr>
+              <a:t>Formula: </a:t>
+            </a:r>
+            <a:r>
+              <a:rPr lang="en">
+                <a:solidFill>
+                  <a:srgbClr val="FF0000"/>
+                </a:solidFill>
+              </a:rPr>
+              <a:t>Used Designated Gap = RunGap + (1 | Player)</a:t>
+            </a:r>
+            <a:endParaRPr>
+              <a:solidFill>
+                <a:srgbClr val="FF0000"/>
+              </a:solidFill>
+            </a:endParaRPr>
+          </a:p>
+          <a:p>
+            <a:pPr indent="-342900" lvl="0" marL="457200" rtl="0" algn="l">
+              <a:spcBef>
+                <a:spcPts val="1000"/>
+              </a:spcBef>
+              <a:spcAft>
+                <a:spcPts val="1000"/>
+              </a:spcAft>
+              <a:buClr>
+                <a:schemeClr val="dk1"/>
+              </a:buClr>
+              <a:buSzPts val="1800"/>
+              <a:buChar char="●"/>
+            </a:pPr>
+            <a:r>
+              <a:rPr lang="en">
+                <a:solidFill>
+                  <a:schemeClr val="dk1"/>
+                </a:solidFill>
+              </a:rPr>
+              <a:t>There is not much need for control variables here, as I feel they would all add noise to the model</a:t>
+            </a:r>
+            <a:endParaRPr>
+              <a:solidFill>
+                <a:schemeClr val="dk1"/>
+              </a:solidFill>
+            </a:endParaRPr>
+          </a:p>
+        </p:txBody>
+      </p:sp>
+    </p:spTree>
+  </p:cSld>
+  <p:clrMapOvr>
+    <a:masterClrMapping/>
+  </p:clrMapOvr>
+</p:sld>
+</file>
+
+<file path=ppt/slides/slide27.xml><?xml version="1.0" encoding="utf-8"?>
+<p:sld xmlns:a="http://schemas.openxmlformats.org/drawingml/2006/main" xmlns:r="http://schemas.openxmlformats.org/officeDocument/2006/relationships" xmlns:mc="http://schemas.openxmlformats.org/markup-compatibility/2006" xmlns:mv="urn:schemas-microsoft-com:mac:vml" xmlns:p="http://schemas.openxmlformats.org/presentationml/2006/main" xmlns:c="http://schemas.openxmlformats.org/drawingml/2006/chart" xmlns:dgm="http://schemas.openxmlformats.org/drawingml/2006/diagram" xmlns:o="urn:schemas-microsoft-com:office:office" xmlns:v="urn:schemas-microsoft-com:vml" xmlns:pvml="urn:schemas-microsoft-com:office:powerpoint" xmlns:com="http://schemas.openxmlformats.org/drawingml/2006/compatibility" xmlns:p14="http://schemas.microsoft.com/office/powerpoint/2010/main" xmlns:p15="http://schemas.microsoft.com/office/powerpoint/2012/main">
+  <p:cSld>
+    <p:spTree>
+      <p:nvGrpSpPr>
+        <p:cNvPr id="216" name="Shape 216"/>
+        <p:cNvGrpSpPr/>
+        <p:nvPr/>
+      </p:nvGrpSpPr>
+      <p:grpSpPr>
+        <a:xfrm>
+          <a:off x="0" y="0"/>
+          <a:ext cx="0" cy="0"/>
+          <a:chOff x="0" y="0"/>
+          <a:chExt cx="0" cy="0"/>
+        </a:xfrm>
+      </p:grpSpPr>
+      <p:sp>
+        <p:nvSpPr>
+          <p:cNvPr id="217" name="Google Shape;217;p39"/>
+          <p:cNvSpPr txBox="1"/>
+          <p:nvPr>
+            <p:ph type="title"/>
+          </p:nvPr>
+        </p:nvSpPr>
+        <p:spPr>
+          <a:xfrm>
+            <a:off x="311700" y="445025"/>
+            <a:ext cx="8520600" cy="572700"/>
+          </a:xfrm>
+          <a:prstGeom prst="rect">
+            <a:avLst/>
+          </a:prstGeom>
+        </p:spPr>
+        <p:txBody>
+          <a:bodyPr anchorCtr="0" anchor="t" bIns="91425" lIns="91425" spcFirstLastPara="1" rIns="91425" wrap="square" tIns="91425">
+            <a:noAutofit/>
+          </a:bodyPr>
+          <a:lstStyle/>
+          <a:p>
+            <a:pPr indent="0" lvl="0" marL="0" rtl="0" algn="l">
+              <a:spcBef>
+                <a:spcPts val="0"/>
+              </a:spcBef>
+              <a:spcAft>
+                <a:spcPts val="0"/>
+              </a:spcAft>
+              <a:buClr>
+                <a:schemeClr val="dk1"/>
+              </a:buClr>
+              <a:buSzPts val="1100"/>
+              <a:buFont typeface="Arial"/>
+              <a:buNone/>
+            </a:pPr>
+            <a:r>
+              <a:rPr lang="en">
+                <a:solidFill>
+                  <a:srgbClr val="0000FF"/>
+                </a:solidFill>
+              </a:rPr>
+              <a:t>Gap Changes Forced</a:t>
+            </a:r>
+            <a:r>
+              <a:rPr lang="en">
+                <a:solidFill>
+                  <a:srgbClr val="0000FF"/>
+                </a:solidFill>
+              </a:rPr>
+              <a:t>: Distribution</a:t>
             </a:r>
             <a:endParaRPr>
               <a:solidFill>
@@ -12473,7 +13283,7 @@
       </p:sp>
       <p:sp>
         <p:nvSpPr>
-          <p:cNvPr id="212" name="Google Shape;212;p38"/>
+          <p:cNvPr id="218" name="Google Shape;218;p39"/>
           <p:cNvSpPr txBox="1"/>
           <p:nvPr>
             <p:ph idx="1" type="body"/>
@@ -12525,7 +13335,7 @@
       </p:sp>
       <p:pic>
         <p:nvPicPr>
-          <p:cNvPr id="213" name="Google Shape;213;p38"/>
+          <p:cNvPr id="219" name="Google Shape;219;p39"/>
           <p:cNvPicPr preferRelativeResize="0"/>
           <p:nvPr/>
         </p:nvPicPr>
@@ -12541,108 +13351,6 @@
           <a:xfrm>
             <a:off x="4244650" y="1017713"/>
             <a:ext cx="4411340" cy="3820975"/>
-          </a:xfrm>
-          <a:prstGeom prst="rect">
-            <a:avLst/>
-          </a:prstGeom>
-          <a:noFill/>
-          <a:ln>
-            <a:noFill/>
-          </a:ln>
-        </p:spPr>
-      </p:pic>
-    </p:spTree>
-  </p:cSld>
-  <p:clrMapOvr>
-    <a:masterClrMapping/>
-  </p:clrMapOvr>
-</p:sld>
-</file>
-
-<file path=ppt/slides/slide27.xml><?xml version="1.0" encoding="utf-8"?>
-<p:sld xmlns:a="http://schemas.openxmlformats.org/drawingml/2006/main" xmlns:r="http://schemas.openxmlformats.org/officeDocument/2006/relationships" xmlns:mc="http://schemas.openxmlformats.org/markup-compatibility/2006" xmlns:mv="urn:schemas-microsoft-com:mac:vml" xmlns:p="http://schemas.openxmlformats.org/presentationml/2006/main" xmlns:c="http://schemas.openxmlformats.org/drawingml/2006/chart" xmlns:dgm="http://schemas.openxmlformats.org/drawingml/2006/diagram" xmlns:o="urn:schemas-microsoft-com:office:office" xmlns:v="urn:schemas-microsoft-com:vml" xmlns:pvml="urn:schemas-microsoft-com:office:powerpoint" xmlns:com="http://schemas.openxmlformats.org/drawingml/2006/compatibility" xmlns:p14="http://schemas.microsoft.com/office/powerpoint/2010/main" xmlns:p15="http://schemas.microsoft.com/office/powerpoint/2012/main">
-  <p:cSld>
-    <p:spTree>
-      <p:nvGrpSpPr>
-        <p:cNvPr id="217" name="Shape 217"/>
-        <p:cNvGrpSpPr/>
-        <p:nvPr/>
-      </p:nvGrpSpPr>
-      <p:grpSpPr>
-        <a:xfrm>
-          <a:off x="0" y="0"/>
-          <a:ext cx="0" cy="0"/>
-          <a:chOff x="0" y="0"/>
-          <a:chExt cx="0" cy="0"/>
-        </a:xfrm>
-      </p:grpSpPr>
-      <p:sp>
-        <p:nvSpPr>
-          <p:cNvPr id="218" name="Google Shape;218;p39"/>
-          <p:cNvSpPr txBox="1"/>
-          <p:nvPr>
-            <p:ph type="title"/>
-          </p:nvPr>
-        </p:nvSpPr>
-        <p:spPr>
-          <a:xfrm>
-            <a:off x="311700" y="115175"/>
-            <a:ext cx="8520600" cy="572700"/>
-          </a:xfrm>
-          <a:prstGeom prst="rect">
-            <a:avLst/>
-          </a:prstGeom>
-        </p:spPr>
-        <p:txBody>
-          <a:bodyPr anchorCtr="0" anchor="t" bIns="91425" lIns="91425" spcFirstLastPara="1" rIns="91425" wrap="square" tIns="91425">
-            <a:noAutofit/>
-          </a:bodyPr>
-          <a:lstStyle/>
-          <a:p>
-            <a:pPr indent="0" lvl="0" marL="0" rtl="0" algn="l">
-              <a:spcBef>
-                <a:spcPts val="0"/>
-              </a:spcBef>
-              <a:spcAft>
-                <a:spcPts val="0"/>
-              </a:spcAft>
-              <a:buClr>
-                <a:schemeClr val="dk1"/>
-              </a:buClr>
-              <a:buSzPts val="1100"/>
-              <a:buFont typeface="Arial"/>
-              <a:buNone/>
-            </a:pPr>
-            <a:r>
-              <a:rPr lang="en">
-                <a:solidFill>
-                  <a:srgbClr val="0000FF"/>
-                </a:solidFill>
-              </a:rPr>
-              <a:t>Non-Designated Run Gap: Return on Investment</a:t>
-            </a:r>
-            <a:endParaRPr/>
-          </a:p>
-        </p:txBody>
-      </p:sp>
-      <p:pic>
-        <p:nvPicPr>
-          <p:cNvPr id="219" name="Google Shape;219;p39"/>
-          <p:cNvPicPr preferRelativeResize="0"/>
-          <p:nvPr/>
-        </p:nvPicPr>
-        <p:blipFill>
-          <a:blip r:embed="rId3">
-            <a:alphaModFix/>
-          </a:blip>
-          <a:stretch>
-            <a:fillRect/>
-          </a:stretch>
-        </p:blipFill>
-        <p:spPr>
-          <a:xfrm>
-            <a:off x="896000" y="739400"/>
-            <a:ext cx="7352006" cy="4099300"/>
           </a:xfrm>
           <a:prstGeom prst="rect">
             <a:avLst/>
@@ -12688,7 +13396,7 @@
         </p:nvSpPr>
         <p:spPr>
           <a:xfrm>
-            <a:off x="311700" y="445025"/>
+            <a:off x="311700" y="115175"/>
             <a:ext cx="8520600" cy="572700"/>
           </a:xfrm>
           <a:prstGeom prst="rect">
@@ -12708,6 +13416,11 @@
               <a:spcAft>
                 <a:spcPts val="0"/>
               </a:spcAft>
+              <a:buClr>
+                <a:schemeClr val="dk1"/>
+              </a:buClr>
+              <a:buSzPts val="1100"/>
+              <a:buFont typeface="Arial"/>
               <a:buNone/>
             </a:pPr>
             <a:r>
@@ -12716,88 +13429,48 @@
                   <a:srgbClr val="0000FF"/>
                 </a:solidFill>
               </a:rPr>
-              <a:t>Rushing Conclusions</a:t>
-            </a:r>
-            <a:endParaRPr>
-              <a:solidFill>
-                <a:srgbClr val="0000FF"/>
-              </a:solidFill>
-            </a:endParaRPr>
+              <a:t>Gap Changes Forced</a:t>
+            </a:r>
+            <a:r>
+              <a:rPr lang="en">
+                <a:solidFill>
+                  <a:srgbClr val="0000FF"/>
+                </a:solidFill>
+              </a:rPr>
+              <a:t>: Return on Investment</a:t>
+            </a:r>
+            <a:endParaRPr/>
           </a:p>
         </p:txBody>
       </p:sp>
-      <p:sp>
-        <p:nvSpPr>
+      <p:pic>
+        <p:nvPicPr>
           <p:cNvPr id="225" name="Google Shape;225;p40"/>
-          <p:cNvSpPr txBox="1"/>
-          <p:nvPr>
-            <p:ph idx="1" type="body"/>
-          </p:nvPr>
-        </p:nvSpPr>
+          <p:cNvPicPr preferRelativeResize="0"/>
+          <p:nvPr/>
+        </p:nvPicPr>
+        <p:blipFill>
+          <a:blip r:embed="rId3">
+            <a:alphaModFix/>
+          </a:blip>
+          <a:stretch>
+            <a:fillRect/>
+          </a:stretch>
+        </p:blipFill>
         <p:spPr>
           <a:xfrm>
-            <a:off x="311700" y="1152475"/>
-            <a:ext cx="8520600" cy="3416400"/>
+            <a:off x="849788" y="687875"/>
+            <a:ext cx="7444416" cy="4150826"/>
           </a:xfrm>
           <a:prstGeom prst="rect">
             <a:avLst/>
           </a:prstGeom>
+          <a:noFill/>
+          <a:ln>
+            <a:noFill/>
+          </a:ln>
         </p:spPr>
-        <p:txBody>
-          <a:bodyPr anchorCtr="0" anchor="t" bIns="91425" lIns="91425" spcFirstLastPara="1" rIns="91425" wrap="square" tIns="91425">
-            <a:noAutofit/>
-          </a:bodyPr>
-          <a:lstStyle/>
-          <a:p>
-            <a:pPr indent="0" lvl="0" marL="0" rtl="0" algn="l">
-              <a:spcBef>
-                <a:spcPts val="0"/>
-              </a:spcBef>
-              <a:spcAft>
-                <a:spcPts val="0"/>
-              </a:spcAft>
-              <a:buNone/>
-            </a:pPr>
-            <a:r>
-              <a:rPr lang="en">
-                <a:solidFill>
-                  <a:srgbClr val="000000"/>
-                </a:solidFill>
-              </a:rPr>
-              <a:t>Of the three rushing metrics, I consider negative EPA tackles to be the most important, as it requires the fewest assumptions about other players. Next would be Rushing Side Success Rate, which has the most impact on game results, but is harder to divide up credit. Lastly would be Gap Changes Forced, which was fun to explore, but has a sample size issue as well as the difficulty of dividing up credit. </a:t>
-            </a:r>
-            <a:endParaRPr>
-              <a:solidFill>
-                <a:srgbClr val="000000"/>
-              </a:solidFill>
-            </a:endParaRPr>
-          </a:p>
-          <a:p>
-            <a:pPr indent="0" lvl="0" marL="0" rtl="0" algn="l">
-              <a:spcBef>
-                <a:spcPts val="1600"/>
-              </a:spcBef>
-              <a:spcAft>
-                <a:spcPts val="1600"/>
-              </a:spcAft>
-              <a:buNone/>
-            </a:pPr>
-            <a:r>
-              <a:rPr lang="en">
-                <a:solidFill>
-                  <a:srgbClr val="000000"/>
-                </a:solidFill>
-              </a:rPr>
-              <a:t>Noses create negative EPA tackles at the highest rate and have the fattest tails for all three intercepts. Return on investment appears to be quite random and likely mostly attributed to noise. </a:t>
-            </a:r>
-            <a:endParaRPr>
-              <a:solidFill>
-                <a:srgbClr val="000000"/>
-              </a:solidFill>
-            </a:endParaRPr>
-          </a:p>
-        </p:txBody>
-      </p:sp>
+      </p:pic>
     </p:spTree>
   </p:cSld>
   <p:clrMapOvr>
@@ -12833,7 +13506,7 @@
         </p:nvSpPr>
         <p:spPr>
           <a:xfrm>
-            <a:off x="311700" y="78650"/>
+            <a:off x="311700" y="445025"/>
             <a:ext cx="8520600" cy="572700"/>
           </a:xfrm>
           <a:prstGeom prst="rect">
@@ -12856,201 +13529,526 @@
               <a:buNone/>
             </a:pPr>
             <a:r>
-              <a:rPr lang="en">
-                <a:solidFill>
-                  <a:srgbClr val="0000FF"/>
-                </a:solidFill>
-              </a:rPr>
-              <a:t>Final Conclusions</a:t>
-            </a:r>
-            <a:endParaRPr>
-              <a:solidFill>
-                <a:srgbClr val="0000FF"/>
-              </a:solidFill>
-            </a:endParaRPr>
+              <a:rPr lang="en"/>
+              <a:t>Gap Changes Forced: Top Performers</a:t>
+            </a:r>
+            <a:endParaRPr/>
           </a:p>
         </p:txBody>
       </p:sp>
-      <p:sp>
-        <p:nvSpPr>
+      <p:graphicFrame>
+        <p:nvGraphicFramePr>
           <p:cNvPr id="231" name="Google Shape;231;p41"/>
-          <p:cNvSpPr txBox="1"/>
-          <p:nvPr>
-            <p:ph idx="1" type="body"/>
-          </p:nvPr>
-        </p:nvSpPr>
-        <p:spPr>
-          <a:xfrm>
-            <a:off x="236175" y="560400"/>
-            <a:ext cx="8520600" cy="4022700"/>
-          </a:xfrm>
-          <a:prstGeom prst="rect">
-            <a:avLst/>
-          </a:prstGeom>
-        </p:spPr>
-        <p:txBody>
-          <a:bodyPr anchorCtr="0" anchor="t" bIns="91425" lIns="91425" spcFirstLastPara="1" rIns="91425" wrap="square" tIns="91425">
-            <a:noAutofit/>
-          </a:bodyPr>
-          <a:lstStyle/>
-          <a:p>
-            <a:pPr indent="-323850" lvl="0" marL="457200" rtl="0" algn="l">
-              <a:spcBef>
-                <a:spcPts val="0"/>
-              </a:spcBef>
-              <a:spcAft>
-                <a:spcPts val="0"/>
-              </a:spcAft>
-              <a:buClr>
-                <a:srgbClr val="000000"/>
-              </a:buClr>
-              <a:buSzPts val="1500"/>
-              <a:buAutoNum type="arabicParenR"/>
-            </a:pPr>
-            <a:r>
-              <a:rPr b="1" lang="en" sz="1500">
-                <a:solidFill>
-                  <a:srgbClr val="FF0000"/>
-                </a:solidFill>
-              </a:rPr>
-              <a:t>What is the most important defensive position?</a:t>
-            </a:r>
-            <a:r>
-              <a:rPr lang="en" sz="1500">
-                <a:solidFill>
-                  <a:srgbClr val="000000"/>
-                </a:solidFill>
-              </a:rPr>
-              <a:t> </a:t>
-            </a:r>
-            <a:r>
-              <a:rPr lang="en" sz="1500">
-                <a:solidFill>
-                  <a:srgbClr val="000000"/>
-                </a:solidFill>
-              </a:rPr>
-              <a:t>Edge defender is the most valuable defensive position. It is a passing league and Edge is clearly the most important position when it comes to pressuring the passer. I consider Tackle the second most important overall, as the return on draft/FA investment for generating quarterback is so much greater than the ROI for Noses in the run game.</a:t>
-            </a:r>
-            <a:endParaRPr sz="1500">
-              <a:solidFill>
-                <a:srgbClr val="000000"/>
-              </a:solidFill>
-            </a:endParaRPr>
-          </a:p>
-          <a:p>
-            <a:pPr indent="-323850" lvl="0" marL="457200" rtl="0" algn="l">
-              <a:spcBef>
-                <a:spcPts val="1000"/>
-              </a:spcBef>
-              <a:spcAft>
-                <a:spcPts val="0"/>
-              </a:spcAft>
-              <a:buClr>
-                <a:srgbClr val="000000"/>
-              </a:buClr>
-              <a:buSzPts val="1500"/>
-              <a:buAutoNum type="arabicParenR"/>
-            </a:pPr>
-            <a:r>
-              <a:rPr b="1" lang="en" sz="1500">
-                <a:solidFill>
-                  <a:srgbClr val="FF0000"/>
-                </a:solidFill>
-                <a:highlight>
-                  <a:srgbClr val="FFFFFF"/>
-                </a:highlight>
-              </a:rPr>
-              <a:t>What is the nature of the distribution of talent between the defensive line positions? </a:t>
-            </a:r>
-            <a:r>
-              <a:rPr lang="en" sz="1500">
-                <a:solidFill>
-                  <a:srgbClr val="000000"/>
-                </a:solidFill>
-                <a:highlight>
-                  <a:srgbClr val="FFFFFF"/>
-                </a:highlight>
-              </a:rPr>
-              <a:t>When controlling for both game situation and technique, Nose has the widest distribution. This would not be recognized with traditional statistics. Edge and Tackle have quite similar distributions.</a:t>
-            </a:r>
-            <a:endParaRPr b="1" sz="1500">
-              <a:solidFill>
-                <a:srgbClr val="000000"/>
-              </a:solidFill>
-              <a:highlight>
-                <a:srgbClr val="FFFFFF"/>
-              </a:highlight>
-            </a:endParaRPr>
-          </a:p>
-          <a:p>
-            <a:pPr indent="-323850" lvl="0" marL="457200" rtl="0" algn="l">
-              <a:spcBef>
-                <a:spcPts val="1000"/>
-              </a:spcBef>
-              <a:spcAft>
-                <a:spcPts val="1000"/>
-              </a:spcAft>
-              <a:buClr>
-                <a:srgbClr val="000000"/>
-              </a:buClr>
-              <a:buSzPts val="1500"/>
-              <a:buAutoNum type="arabicParenR"/>
-            </a:pPr>
-            <a:r>
-              <a:rPr b="1" lang="en" sz="1500">
-                <a:solidFill>
-                  <a:srgbClr val="FF0000"/>
-                </a:solidFill>
-                <a:highlight>
-                  <a:srgbClr val="FFFFFF"/>
-                </a:highlight>
-              </a:rPr>
-              <a:t>In which in-game or roster construction scenarios would the answer to Question 1 change? </a:t>
-            </a:r>
-            <a:r>
-              <a:rPr lang="en" sz="1500">
-                <a:solidFill>
-                  <a:srgbClr val="000000"/>
-                </a:solidFill>
-                <a:highlight>
-                  <a:srgbClr val="FFFFFF"/>
-                </a:highlight>
-              </a:rPr>
-              <a:t>Tackles cost less than Edges, both in the draft in free agency, so if a team did not have the resources to get a premier Edge, finding a quality Tackle could be the next best option. In a situation where a team needed to prioritize stopping the run over the pass, Edge could become the most important. However, most analytics people would consider that an </a:t>
-            </a:r>
-            <a:r>
-              <a:rPr lang="en" sz="1500">
-                <a:solidFill>
-                  <a:srgbClr val="000000"/>
-                </a:solidFill>
-                <a:highlight>
-                  <a:srgbClr val="FFFFFF"/>
-                </a:highlight>
-              </a:rPr>
-              <a:t>extremely</a:t>
-            </a:r>
-            <a:r>
-              <a:rPr lang="en" sz="1500">
-                <a:solidFill>
-                  <a:srgbClr val="000000"/>
-                </a:solidFill>
-                <a:highlight>
-                  <a:srgbClr val="FFFFFF"/>
-                </a:highlight>
-              </a:rPr>
-              <a:t> rare event and almost always want to encourage an opponent to run more.</a:t>
-            </a:r>
-            <a:endParaRPr sz="1500">
-              <a:solidFill>
-                <a:srgbClr val="000000"/>
-              </a:solidFill>
-              <a:highlight>
-                <a:srgbClr val="FFFFFF"/>
-              </a:highlight>
-            </a:endParaRPr>
-          </a:p>
-        </p:txBody>
-      </p:sp>
+          <p:cNvGraphicFramePr/>
+          <p:nvPr/>
+        </p:nvGraphicFramePr>
+        <p:xfrm>
+          <a:off x="769575" y="1571900"/>
+          <a:ext cx="3000000" cy="3000000"/>
+        </p:xfrm>
+        <a:graphic>
+          <a:graphicData uri="http://schemas.openxmlformats.org/drawingml/2006/table">
+            <a:tbl>
+              <a:tblPr>
+                <a:noFill/>
+                <a:tableStyleId>{29E7CF9D-7101-4BEA-94D9-759C4D41E868}</a:tableStyleId>
+              </a:tblPr>
+              <a:tblGrid>
+                <a:gridCol w="2435925"/>
+                <a:gridCol w="2435925"/>
+                <a:gridCol w="2480450"/>
+              </a:tblGrid>
+              <a:tr h="378100">
+                <a:tc>
+                  <a:txBody>
+                    <a:bodyPr/>
+                    <a:lstStyle/>
+                    <a:p>
+                      <a:pPr indent="0" lvl="0" marL="0" rtl="0" algn="l">
+                        <a:spcBef>
+                          <a:spcPts val="0"/>
+                        </a:spcBef>
+                        <a:spcAft>
+                          <a:spcPts val="0"/>
+                        </a:spcAft>
+                        <a:buNone/>
+                      </a:pPr>
+                      <a:r>
+                        <a:rPr b="1" lang="en">
+                          <a:solidFill>
+                            <a:srgbClr val="FF0000"/>
+                          </a:solidFill>
+                        </a:rPr>
+                        <a:t>Best Edge Intercepts:</a:t>
+                      </a:r>
+                      <a:endParaRPr b="1">
+                        <a:solidFill>
+                          <a:srgbClr val="FF0000"/>
+                        </a:solidFill>
+                      </a:endParaRPr>
+                    </a:p>
+                  </a:txBody>
+                  <a:tcPr marT="91425" marB="91425" marR="91425" marL="91425"/>
+                </a:tc>
+                <a:tc>
+                  <a:txBody>
+                    <a:bodyPr/>
+                    <a:lstStyle/>
+                    <a:p>
+                      <a:pPr indent="0" lvl="0" marL="0" rtl="0" algn="l">
+                        <a:spcBef>
+                          <a:spcPts val="0"/>
+                        </a:spcBef>
+                        <a:spcAft>
+                          <a:spcPts val="0"/>
+                        </a:spcAft>
+                        <a:buNone/>
+                      </a:pPr>
+                      <a:r>
+                        <a:rPr b="1" lang="en">
+                          <a:solidFill>
+                            <a:srgbClr val="274E13"/>
+                          </a:solidFill>
+                        </a:rPr>
+                        <a:t>Best Tackle Intercepts:</a:t>
+                      </a:r>
+                      <a:endParaRPr b="1">
+                        <a:solidFill>
+                          <a:srgbClr val="274E13"/>
+                        </a:solidFill>
+                      </a:endParaRPr>
+                    </a:p>
+                  </a:txBody>
+                  <a:tcPr marT="91425" marB="91425" marR="91425" marL="91425"/>
+                </a:tc>
+                <a:tc>
+                  <a:txBody>
+                    <a:bodyPr/>
+                    <a:lstStyle/>
+                    <a:p>
+                      <a:pPr indent="0" lvl="0" marL="0" rtl="0" algn="l">
+                        <a:spcBef>
+                          <a:spcPts val="0"/>
+                        </a:spcBef>
+                        <a:spcAft>
+                          <a:spcPts val="0"/>
+                        </a:spcAft>
+                        <a:buNone/>
+                      </a:pPr>
+                      <a:r>
+                        <a:rPr b="1" lang="en">
+                          <a:solidFill>
+                            <a:srgbClr val="0000FF"/>
+                          </a:solidFill>
+                        </a:rPr>
+                        <a:t>Best Nose Intercepts:</a:t>
+                      </a:r>
+                      <a:endParaRPr b="1">
+                        <a:solidFill>
+                          <a:srgbClr val="0000FF"/>
+                        </a:solidFill>
+                      </a:endParaRPr>
+                    </a:p>
+                  </a:txBody>
+                  <a:tcPr marT="91425" marB="91425" marR="91425" marL="91425"/>
+                </a:tc>
+              </a:tr>
+              <a:tr h="378100">
+                <a:tc>
+                  <a:txBody>
+                    <a:bodyPr/>
+                    <a:lstStyle/>
+                    <a:p>
+                      <a:pPr indent="0" lvl="0" marL="0" rtl="0" algn="l">
+                        <a:spcBef>
+                          <a:spcPts val="0"/>
+                        </a:spcBef>
+                        <a:spcAft>
+                          <a:spcPts val="0"/>
+                        </a:spcAft>
+                        <a:buNone/>
+                      </a:pPr>
+                      <a:r>
+                        <a:rPr lang="en">
+                          <a:solidFill>
+                            <a:schemeClr val="dk1"/>
+                          </a:solidFill>
+                        </a:rPr>
+                        <a:t>1. Danielle Hunter, MIN</a:t>
+                      </a:r>
+                      <a:endParaRPr/>
+                    </a:p>
+                  </a:txBody>
+                  <a:tcPr marT="91425" marB="91425" marR="91425" marL="91425"/>
+                </a:tc>
+                <a:tc>
+                  <a:txBody>
+                    <a:bodyPr/>
+                    <a:lstStyle/>
+                    <a:p>
+                      <a:pPr indent="0" lvl="0" marL="0" rtl="0" algn="l">
+                        <a:spcBef>
+                          <a:spcPts val="0"/>
+                        </a:spcBef>
+                        <a:spcAft>
+                          <a:spcPts val="0"/>
+                        </a:spcAft>
+                        <a:buNone/>
+                      </a:pPr>
+                      <a:r>
+                        <a:rPr lang="en">
+                          <a:solidFill>
+                            <a:schemeClr val="dk1"/>
+                          </a:solidFill>
+                        </a:rPr>
+                        <a:t>1. Shamar Stephen, MIN</a:t>
+                      </a:r>
+                      <a:endParaRPr/>
+                    </a:p>
+                  </a:txBody>
+                  <a:tcPr marT="91425" marB="91425" marR="91425" marL="91425"/>
+                </a:tc>
+                <a:tc>
+                  <a:txBody>
+                    <a:bodyPr/>
+                    <a:lstStyle/>
+                    <a:p>
+                      <a:pPr indent="0" lvl="0" marL="0" rtl="0" algn="l">
+                        <a:spcBef>
+                          <a:spcPts val="0"/>
+                        </a:spcBef>
+                        <a:spcAft>
+                          <a:spcPts val="0"/>
+                        </a:spcAft>
+                        <a:buClr>
+                          <a:schemeClr val="dk1"/>
+                        </a:buClr>
+                        <a:buSzPts val="1100"/>
+                        <a:buFont typeface="Arial"/>
+                        <a:buNone/>
+                      </a:pPr>
+                      <a:r>
+                        <a:rPr lang="en">
+                          <a:solidFill>
+                            <a:schemeClr val="dk1"/>
+                          </a:solidFill>
+                        </a:rPr>
+                        <a:t>1. Dalvin Tomlinson, NYG</a:t>
+                      </a:r>
+                      <a:endParaRPr/>
+                    </a:p>
+                  </a:txBody>
+                  <a:tcPr marT="91425" marB="91425" marR="91425" marL="91425"/>
+                </a:tc>
+              </a:tr>
+              <a:tr h="378100">
+                <a:tc>
+                  <a:txBody>
+                    <a:bodyPr/>
+                    <a:lstStyle/>
+                    <a:p>
+                      <a:pPr indent="0" lvl="0" marL="0" rtl="0" algn="l">
+                        <a:spcBef>
+                          <a:spcPts val="0"/>
+                        </a:spcBef>
+                        <a:spcAft>
+                          <a:spcPts val="0"/>
+                        </a:spcAft>
+                        <a:buNone/>
+                      </a:pPr>
+                      <a:r>
+                        <a:rPr lang="en"/>
+                        <a:t>2. Maxx Crosby, OAK</a:t>
+                      </a:r>
+                      <a:endParaRPr/>
+                    </a:p>
+                  </a:txBody>
+                  <a:tcPr marT="91425" marB="91425" marR="91425" marL="91425"/>
+                </a:tc>
+                <a:tc>
+                  <a:txBody>
+                    <a:bodyPr/>
+                    <a:lstStyle/>
+                    <a:p>
+                      <a:pPr indent="0" lvl="0" marL="0" rtl="0" algn="l">
+                        <a:spcBef>
+                          <a:spcPts val="0"/>
+                        </a:spcBef>
+                        <a:spcAft>
+                          <a:spcPts val="0"/>
+                        </a:spcAft>
+                        <a:buNone/>
+                      </a:pPr>
+                      <a:r>
+                        <a:rPr lang="en">
+                          <a:solidFill>
+                            <a:schemeClr val="dk1"/>
+                          </a:solidFill>
+                        </a:rPr>
+                        <a:t>2. Dean Lowry, GB</a:t>
+                      </a:r>
+                      <a:endParaRPr/>
+                    </a:p>
+                  </a:txBody>
+                  <a:tcPr marT="91425" marB="91425" marR="91425" marL="91425"/>
+                </a:tc>
+                <a:tc>
+                  <a:txBody>
+                    <a:bodyPr/>
+                    <a:lstStyle/>
+                    <a:p>
+                      <a:pPr indent="0" lvl="0" marL="0" rtl="0" algn="l">
+                        <a:spcBef>
+                          <a:spcPts val="0"/>
+                        </a:spcBef>
+                        <a:spcAft>
+                          <a:spcPts val="0"/>
+                        </a:spcAft>
+                        <a:buNone/>
+                      </a:pPr>
+                      <a:r>
+                        <a:rPr lang="en"/>
+                        <a:t>2. Mike Purcell, DEN</a:t>
+                      </a:r>
+                      <a:endParaRPr/>
+                    </a:p>
+                  </a:txBody>
+                  <a:tcPr marT="91425" marB="91425" marR="91425" marL="91425"/>
+                </a:tc>
+              </a:tr>
+              <a:tr h="378100">
+                <a:tc>
+                  <a:txBody>
+                    <a:bodyPr/>
+                    <a:lstStyle/>
+                    <a:p>
+                      <a:pPr indent="0" lvl="0" marL="0" rtl="0" algn="l">
+                        <a:spcBef>
+                          <a:spcPts val="0"/>
+                        </a:spcBef>
+                        <a:spcAft>
+                          <a:spcPts val="0"/>
+                        </a:spcAft>
+                        <a:buNone/>
+                      </a:pPr>
+                      <a:r>
+                        <a:rPr lang="en"/>
+                        <a:t>3. Von Miller, DEN</a:t>
+                      </a:r>
+                      <a:endParaRPr/>
+                    </a:p>
+                  </a:txBody>
+                  <a:tcPr marT="91425" marB="91425" marR="91425" marL="91425"/>
+                </a:tc>
+                <a:tc>
+                  <a:txBody>
+                    <a:bodyPr/>
+                    <a:lstStyle/>
+                    <a:p>
+                      <a:pPr indent="0" lvl="0" marL="0" rtl="0" algn="l">
+                        <a:spcBef>
+                          <a:spcPts val="0"/>
+                        </a:spcBef>
+                        <a:spcAft>
+                          <a:spcPts val="0"/>
+                        </a:spcAft>
+                        <a:buNone/>
+                      </a:pPr>
+                      <a:r>
+                        <a:rPr lang="en">
+                          <a:solidFill>
+                            <a:schemeClr val="dk1"/>
+                          </a:solidFill>
+                        </a:rPr>
+                        <a:t>3. B.J. Hill, NYG</a:t>
+                      </a:r>
+                      <a:endParaRPr/>
+                    </a:p>
+                  </a:txBody>
+                  <a:tcPr marT="91425" marB="91425" marR="91425" marL="91425"/>
+                </a:tc>
+                <a:tc>
+                  <a:txBody>
+                    <a:bodyPr/>
+                    <a:lstStyle/>
+                    <a:p>
+                      <a:pPr indent="0" lvl="0" marL="0" rtl="0" algn="l">
+                        <a:spcBef>
+                          <a:spcPts val="0"/>
+                        </a:spcBef>
+                        <a:spcAft>
+                          <a:spcPts val="0"/>
+                        </a:spcAft>
+                        <a:buNone/>
+                      </a:pPr>
+                      <a:r>
+                        <a:rPr lang="en"/>
+                        <a:t>3. Javon Hargrave, PIT</a:t>
+                      </a:r>
+                      <a:endParaRPr/>
+                    </a:p>
+                  </a:txBody>
+                  <a:tcPr marT="91425" marB="91425" marR="91425" marL="91425"/>
+                </a:tc>
+              </a:tr>
+              <a:tr h="378100">
+                <a:tc>
+                  <a:txBody>
+                    <a:bodyPr/>
+                    <a:lstStyle/>
+                    <a:p>
+                      <a:pPr indent="0" lvl="0" marL="0" rtl="0" algn="l">
+                        <a:spcBef>
+                          <a:spcPts val="0"/>
+                        </a:spcBef>
+                        <a:spcAft>
+                          <a:spcPts val="0"/>
+                        </a:spcAft>
+                        <a:buNone/>
+                      </a:pPr>
+                      <a:r>
+                        <a:rPr lang="en"/>
+                        <a:t>4. </a:t>
+                      </a:r>
+                      <a:r>
+                        <a:rPr lang="en">
+                          <a:solidFill>
+                            <a:schemeClr val="dk1"/>
+                          </a:solidFill>
+                        </a:rPr>
+                        <a:t>Everson Griffen, MIN</a:t>
+                      </a:r>
+                      <a:endParaRPr/>
+                    </a:p>
+                  </a:txBody>
+                  <a:tcPr marT="91425" marB="91425" marR="91425" marL="91425"/>
+                </a:tc>
+                <a:tc>
+                  <a:txBody>
+                    <a:bodyPr/>
+                    <a:lstStyle/>
+                    <a:p>
+                      <a:pPr indent="0" lvl="0" marL="0" rtl="0" algn="l">
+                        <a:spcBef>
+                          <a:spcPts val="0"/>
+                        </a:spcBef>
+                        <a:spcAft>
+                          <a:spcPts val="0"/>
+                        </a:spcAft>
+                        <a:buNone/>
+                      </a:pPr>
+                      <a:r>
+                        <a:rPr lang="en">
+                          <a:solidFill>
+                            <a:schemeClr val="dk1"/>
+                          </a:solidFill>
+                        </a:rPr>
+                        <a:t>4. Shelby Harris, DEN</a:t>
+                      </a:r>
+                      <a:endParaRPr/>
+                    </a:p>
+                  </a:txBody>
+                  <a:tcPr marT="91425" marB="91425" marR="91425" marL="91425"/>
+                </a:tc>
+                <a:tc>
+                  <a:txBody>
+                    <a:bodyPr/>
+                    <a:lstStyle/>
+                    <a:p>
+                      <a:pPr indent="0" lvl="0" marL="0" rtl="0" algn="l">
+                        <a:spcBef>
+                          <a:spcPts val="0"/>
+                        </a:spcBef>
+                        <a:spcAft>
+                          <a:spcPts val="0"/>
+                        </a:spcAft>
+                        <a:buNone/>
+                      </a:pPr>
+                      <a:r>
+                        <a:rPr lang="en"/>
+                        <a:t>4. Corey Peters, AZ</a:t>
+                      </a:r>
+                      <a:endParaRPr/>
+                    </a:p>
+                  </a:txBody>
+                  <a:tcPr marT="91425" marB="91425" marR="91425" marL="91425"/>
+                </a:tc>
+              </a:tr>
+              <a:tr h="378100">
+                <a:tc>
+                  <a:txBody>
+                    <a:bodyPr/>
+                    <a:lstStyle/>
+                    <a:p>
+                      <a:pPr indent="0" lvl="0" marL="0" rtl="0" algn="l">
+                        <a:spcBef>
+                          <a:spcPts val="0"/>
+                        </a:spcBef>
+                        <a:spcAft>
+                          <a:spcPts val="0"/>
+                        </a:spcAft>
+                        <a:buNone/>
+                      </a:pPr>
+                      <a:r>
+                        <a:rPr lang="en"/>
+                        <a:t>5. Markus Golden, NYG</a:t>
+                      </a:r>
+                      <a:endParaRPr/>
+                    </a:p>
+                  </a:txBody>
+                  <a:tcPr marT="91425" marB="91425" marR="91425" marL="91425"/>
+                </a:tc>
+                <a:tc>
+                  <a:txBody>
+                    <a:bodyPr/>
+                    <a:lstStyle/>
+                    <a:p>
+                      <a:pPr indent="0" lvl="0" marL="0" rtl="0" algn="l">
+                        <a:spcBef>
+                          <a:spcPts val="0"/>
+                        </a:spcBef>
+                        <a:spcAft>
+                          <a:spcPts val="0"/>
+                        </a:spcAft>
+                        <a:buNone/>
+                      </a:pPr>
+                      <a:r>
+                        <a:rPr lang="en"/>
+                        <a:t>5. John Atkins, DET</a:t>
+                      </a:r>
+                      <a:endParaRPr/>
+                    </a:p>
+                  </a:txBody>
+                  <a:tcPr marT="91425" marB="91425" marR="91425" marL="91425"/>
+                </a:tc>
+                <a:tc>
+                  <a:txBody>
+                    <a:bodyPr/>
+                    <a:lstStyle/>
+                    <a:p>
+                      <a:pPr indent="0" lvl="0" marL="0" rtl="0" algn="l">
+                        <a:spcBef>
+                          <a:spcPts val="0"/>
+                        </a:spcBef>
+                        <a:spcAft>
+                          <a:spcPts val="0"/>
+                        </a:spcAft>
+                        <a:buNone/>
+                      </a:pPr>
+                      <a:r>
+                        <a:rPr lang="en"/>
+                        <a:t>5. Christian Covington, DAL</a:t>
+                      </a:r>
+                      <a:endParaRPr/>
+                    </a:p>
+                  </a:txBody>
+                  <a:tcPr marT="91425" marB="91425" marR="91425" marL="91425"/>
+                </a:tc>
+              </a:tr>
+            </a:tbl>
+          </a:graphicData>
+        </a:graphic>
+      </p:graphicFrame>
     </p:spTree>
   </p:cSld>
   <p:clrMapOvr>
@@ -13259,7 +14257,7 @@
             <a:tbl>
               <a:tblPr>
                 <a:noFill/>
-                <a:tableStyleId>{8C5F2A7F-A560-4444-B1B1-81F57036B622}</a:tableStyleId>
+                <a:tableStyleId>{29E7CF9D-7101-4BEA-94D9-759C4D41E868}</a:tableStyleId>
               </a:tblPr>
               <a:tblGrid>
                 <a:gridCol w="2435925"/>
@@ -13733,6 +14731,382 @@
           </a:graphicData>
         </a:graphic>
       </p:graphicFrame>
+    </p:spTree>
+  </p:cSld>
+  <p:clrMapOvr>
+    <a:masterClrMapping/>
+  </p:clrMapOvr>
+</p:sld>
+</file>
+
+<file path=ppt/slides/slide30.xml><?xml version="1.0" encoding="utf-8"?>
+<p:sld xmlns:a="http://schemas.openxmlformats.org/drawingml/2006/main" xmlns:r="http://schemas.openxmlformats.org/officeDocument/2006/relationships" xmlns:mc="http://schemas.openxmlformats.org/markup-compatibility/2006" xmlns:mv="urn:schemas-microsoft-com:mac:vml" xmlns:p="http://schemas.openxmlformats.org/presentationml/2006/main" xmlns:c="http://schemas.openxmlformats.org/drawingml/2006/chart" xmlns:dgm="http://schemas.openxmlformats.org/drawingml/2006/diagram" xmlns:o="urn:schemas-microsoft-com:office:office" xmlns:v="urn:schemas-microsoft-com:vml" xmlns:pvml="urn:schemas-microsoft-com:office:powerpoint" xmlns:com="http://schemas.openxmlformats.org/drawingml/2006/compatibility" xmlns:p14="http://schemas.microsoft.com/office/powerpoint/2010/main" xmlns:p15="http://schemas.microsoft.com/office/powerpoint/2012/main">
+  <p:cSld>
+    <p:spTree>
+      <p:nvGrpSpPr>
+        <p:cNvPr id="235" name="Shape 235"/>
+        <p:cNvGrpSpPr/>
+        <p:nvPr/>
+      </p:nvGrpSpPr>
+      <p:grpSpPr>
+        <a:xfrm>
+          <a:off x="0" y="0"/>
+          <a:ext cx="0" cy="0"/>
+          <a:chOff x="0" y="0"/>
+          <a:chExt cx="0" cy="0"/>
+        </a:xfrm>
+      </p:grpSpPr>
+      <p:sp>
+        <p:nvSpPr>
+          <p:cNvPr id="236" name="Google Shape;236;p42"/>
+          <p:cNvSpPr txBox="1"/>
+          <p:nvPr>
+            <p:ph type="title"/>
+          </p:nvPr>
+        </p:nvSpPr>
+        <p:spPr>
+          <a:xfrm>
+            <a:off x="311700" y="445025"/>
+            <a:ext cx="8520600" cy="572700"/>
+          </a:xfrm>
+          <a:prstGeom prst="rect">
+            <a:avLst/>
+          </a:prstGeom>
+        </p:spPr>
+        <p:txBody>
+          <a:bodyPr anchorCtr="0" anchor="t" bIns="91425" lIns="91425" spcFirstLastPara="1" rIns="91425" wrap="square" tIns="91425">
+            <a:noAutofit/>
+          </a:bodyPr>
+          <a:lstStyle/>
+          <a:p>
+            <a:pPr indent="0" lvl="0" marL="0" rtl="0" algn="l">
+              <a:spcBef>
+                <a:spcPts val="0"/>
+              </a:spcBef>
+              <a:spcAft>
+                <a:spcPts val="0"/>
+              </a:spcAft>
+              <a:buNone/>
+            </a:pPr>
+            <a:r>
+              <a:rPr lang="en">
+                <a:solidFill>
+                  <a:srgbClr val="0000FF"/>
+                </a:solidFill>
+              </a:rPr>
+              <a:t>Rushing Conclusions</a:t>
+            </a:r>
+            <a:endParaRPr>
+              <a:solidFill>
+                <a:srgbClr val="0000FF"/>
+              </a:solidFill>
+            </a:endParaRPr>
+          </a:p>
+        </p:txBody>
+      </p:sp>
+      <p:sp>
+        <p:nvSpPr>
+          <p:cNvPr id="237" name="Google Shape;237;p42"/>
+          <p:cNvSpPr txBox="1"/>
+          <p:nvPr>
+            <p:ph idx="1" type="body"/>
+          </p:nvPr>
+        </p:nvSpPr>
+        <p:spPr>
+          <a:xfrm>
+            <a:off x="311700" y="1152475"/>
+            <a:ext cx="8520600" cy="3416400"/>
+          </a:xfrm>
+          <a:prstGeom prst="rect">
+            <a:avLst/>
+          </a:prstGeom>
+        </p:spPr>
+        <p:txBody>
+          <a:bodyPr anchorCtr="0" anchor="t" bIns="91425" lIns="91425" spcFirstLastPara="1" rIns="91425" wrap="square" tIns="91425">
+            <a:noAutofit/>
+          </a:bodyPr>
+          <a:lstStyle/>
+          <a:p>
+            <a:pPr indent="0" lvl="0" marL="0" rtl="0" algn="l">
+              <a:spcBef>
+                <a:spcPts val="0"/>
+              </a:spcBef>
+              <a:spcAft>
+                <a:spcPts val="0"/>
+              </a:spcAft>
+              <a:buNone/>
+            </a:pPr>
+            <a:r>
+              <a:rPr lang="en">
+                <a:solidFill>
+                  <a:srgbClr val="000000"/>
+                </a:solidFill>
+              </a:rPr>
+              <a:t>Of the three rushing metrics, I consider Negative EPA Tackles to be the most important, as it requires the fewest assumptions about other players. Next would be Rushing Side Success Rate, which has the most impact on game results, but is harder to divide up credit. Last is Gap Changes Forced, which was fun to explore, but has a sample size issue, as well as limitations with dividing up credit. </a:t>
+            </a:r>
+            <a:endParaRPr>
+              <a:solidFill>
+                <a:srgbClr val="000000"/>
+              </a:solidFill>
+            </a:endParaRPr>
+          </a:p>
+          <a:p>
+            <a:pPr indent="0" lvl="0" marL="0" rtl="0" algn="l">
+              <a:spcBef>
+                <a:spcPts val="1600"/>
+              </a:spcBef>
+              <a:spcAft>
+                <a:spcPts val="1600"/>
+              </a:spcAft>
+              <a:buNone/>
+            </a:pPr>
+            <a:r>
+              <a:rPr lang="en">
+                <a:solidFill>
+                  <a:srgbClr val="000000"/>
+                </a:solidFill>
+              </a:rPr>
+              <a:t>Noses create negative EPA tackles at the highest rate and have the fattest tails for all three intercepts. Return on investment appears to be quite random and likely mostly attributed to noise. </a:t>
+            </a:r>
+            <a:endParaRPr>
+              <a:solidFill>
+                <a:srgbClr val="000000"/>
+              </a:solidFill>
+            </a:endParaRPr>
+          </a:p>
+        </p:txBody>
+      </p:sp>
+    </p:spTree>
+  </p:cSld>
+  <p:clrMapOvr>
+    <a:masterClrMapping/>
+  </p:clrMapOvr>
+</p:sld>
+</file>
+
+<file path=ppt/slides/slide31.xml><?xml version="1.0" encoding="utf-8"?>
+<p:sld xmlns:a="http://schemas.openxmlformats.org/drawingml/2006/main" xmlns:r="http://schemas.openxmlformats.org/officeDocument/2006/relationships" xmlns:mc="http://schemas.openxmlformats.org/markup-compatibility/2006" xmlns:mv="urn:schemas-microsoft-com:mac:vml" xmlns:p="http://schemas.openxmlformats.org/presentationml/2006/main" xmlns:c="http://schemas.openxmlformats.org/drawingml/2006/chart" xmlns:dgm="http://schemas.openxmlformats.org/drawingml/2006/diagram" xmlns:o="urn:schemas-microsoft-com:office:office" xmlns:v="urn:schemas-microsoft-com:vml" xmlns:pvml="urn:schemas-microsoft-com:office:powerpoint" xmlns:com="http://schemas.openxmlformats.org/drawingml/2006/compatibility" xmlns:p14="http://schemas.microsoft.com/office/powerpoint/2010/main" xmlns:p15="http://schemas.microsoft.com/office/powerpoint/2012/main">
+  <p:cSld>
+    <p:spTree>
+      <p:nvGrpSpPr>
+        <p:cNvPr id="241" name="Shape 241"/>
+        <p:cNvGrpSpPr/>
+        <p:nvPr/>
+      </p:nvGrpSpPr>
+      <p:grpSpPr>
+        <a:xfrm>
+          <a:off x="0" y="0"/>
+          <a:ext cx="0" cy="0"/>
+          <a:chOff x="0" y="0"/>
+          <a:chExt cx="0" cy="0"/>
+        </a:xfrm>
+      </p:grpSpPr>
+      <p:sp>
+        <p:nvSpPr>
+          <p:cNvPr id="242" name="Google Shape;242;p43"/>
+          <p:cNvSpPr txBox="1"/>
+          <p:nvPr>
+            <p:ph type="title"/>
+          </p:nvPr>
+        </p:nvSpPr>
+        <p:spPr>
+          <a:xfrm>
+            <a:off x="311700" y="78650"/>
+            <a:ext cx="8520600" cy="572700"/>
+          </a:xfrm>
+          <a:prstGeom prst="rect">
+            <a:avLst/>
+          </a:prstGeom>
+        </p:spPr>
+        <p:txBody>
+          <a:bodyPr anchorCtr="0" anchor="t" bIns="91425" lIns="91425" spcFirstLastPara="1" rIns="91425" wrap="square" tIns="91425">
+            <a:noAutofit/>
+          </a:bodyPr>
+          <a:lstStyle/>
+          <a:p>
+            <a:pPr indent="0" lvl="0" marL="0" rtl="0" algn="l">
+              <a:spcBef>
+                <a:spcPts val="0"/>
+              </a:spcBef>
+              <a:spcAft>
+                <a:spcPts val="0"/>
+              </a:spcAft>
+              <a:buNone/>
+            </a:pPr>
+            <a:r>
+              <a:rPr lang="en">
+                <a:solidFill>
+                  <a:srgbClr val="0000FF"/>
+                </a:solidFill>
+              </a:rPr>
+              <a:t>Final Conclusions</a:t>
+            </a:r>
+            <a:endParaRPr>
+              <a:solidFill>
+                <a:srgbClr val="0000FF"/>
+              </a:solidFill>
+            </a:endParaRPr>
+          </a:p>
+        </p:txBody>
+      </p:sp>
+      <p:sp>
+        <p:nvSpPr>
+          <p:cNvPr id="243" name="Google Shape;243;p43"/>
+          <p:cNvSpPr txBox="1"/>
+          <p:nvPr>
+            <p:ph idx="1" type="body"/>
+          </p:nvPr>
+        </p:nvSpPr>
+        <p:spPr>
+          <a:xfrm>
+            <a:off x="236175" y="651350"/>
+            <a:ext cx="8520600" cy="4022700"/>
+          </a:xfrm>
+          <a:prstGeom prst="rect">
+            <a:avLst/>
+          </a:prstGeom>
+        </p:spPr>
+        <p:txBody>
+          <a:bodyPr anchorCtr="0" anchor="t" bIns="91425" lIns="91425" spcFirstLastPara="1" rIns="91425" wrap="square" tIns="91425">
+            <a:noAutofit/>
+          </a:bodyPr>
+          <a:lstStyle/>
+          <a:p>
+            <a:pPr indent="-323850" lvl="0" marL="457200" rtl="0" algn="l">
+              <a:spcBef>
+                <a:spcPts val="0"/>
+              </a:spcBef>
+              <a:spcAft>
+                <a:spcPts val="0"/>
+              </a:spcAft>
+              <a:buClr>
+                <a:srgbClr val="000000"/>
+              </a:buClr>
+              <a:buSzPts val="1500"/>
+              <a:buAutoNum type="arabicParenR"/>
+            </a:pPr>
+            <a:r>
+              <a:rPr b="1" lang="en" sz="1500">
+                <a:solidFill>
+                  <a:srgbClr val="FF0000"/>
+                </a:solidFill>
+              </a:rPr>
+              <a:t>What is the most important defensive position?</a:t>
+            </a:r>
+            <a:r>
+              <a:rPr lang="en" sz="1500">
+                <a:solidFill>
+                  <a:srgbClr val="000000"/>
+                </a:solidFill>
+              </a:rPr>
+              <a:t> </a:t>
+            </a:r>
+            <a:r>
+              <a:rPr lang="en" sz="1500">
+                <a:solidFill>
+                  <a:srgbClr val="000000"/>
+                </a:solidFill>
+              </a:rPr>
+              <a:t>Edge defender is the most valuable defensive position. It is a passing league and Edge is clearly the most important position when it comes to pressuring the passer. I consider Tackle the second most important overall, as the position’s return on draft/FA investment for generating quarterback pressure is so much greater than the ROI for Noses in the run game.</a:t>
+            </a:r>
+            <a:endParaRPr sz="1500">
+              <a:solidFill>
+                <a:srgbClr val="000000"/>
+              </a:solidFill>
+            </a:endParaRPr>
+          </a:p>
+          <a:p>
+            <a:pPr indent="-323850" lvl="0" marL="457200" rtl="0" algn="l">
+              <a:spcBef>
+                <a:spcPts val="1000"/>
+              </a:spcBef>
+              <a:spcAft>
+                <a:spcPts val="0"/>
+              </a:spcAft>
+              <a:buClr>
+                <a:srgbClr val="000000"/>
+              </a:buClr>
+              <a:buSzPts val="1500"/>
+              <a:buAutoNum type="arabicParenR"/>
+            </a:pPr>
+            <a:r>
+              <a:rPr b="1" lang="en" sz="1500">
+                <a:solidFill>
+                  <a:srgbClr val="FF0000"/>
+                </a:solidFill>
+                <a:highlight>
+                  <a:srgbClr val="FFFFFF"/>
+                </a:highlight>
+              </a:rPr>
+              <a:t>What is the nature of the distribution of talent between the defensive line positions? </a:t>
+            </a:r>
+            <a:r>
+              <a:rPr lang="en" sz="1500">
+                <a:solidFill>
+                  <a:srgbClr val="000000"/>
+                </a:solidFill>
+                <a:highlight>
+                  <a:srgbClr val="FFFFFF"/>
+                </a:highlight>
+              </a:rPr>
+              <a:t>When controlling for both game situation and technique, Nose has the widest distribution. This would not be recognized with traditional defensive statistics. Edge and Tackle have quite similar distributions for all four metrics evaluated.</a:t>
+            </a:r>
+            <a:endParaRPr b="1" sz="1500">
+              <a:solidFill>
+                <a:srgbClr val="000000"/>
+              </a:solidFill>
+              <a:highlight>
+                <a:srgbClr val="FFFFFF"/>
+              </a:highlight>
+            </a:endParaRPr>
+          </a:p>
+          <a:p>
+            <a:pPr indent="-323850" lvl="0" marL="457200" rtl="0" algn="l">
+              <a:spcBef>
+                <a:spcPts val="1000"/>
+              </a:spcBef>
+              <a:spcAft>
+                <a:spcPts val="1000"/>
+              </a:spcAft>
+              <a:buClr>
+                <a:srgbClr val="000000"/>
+              </a:buClr>
+              <a:buSzPts val="1500"/>
+              <a:buAutoNum type="arabicParenR"/>
+            </a:pPr>
+            <a:r>
+              <a:rPr b="1" lang="en" sz="1500">
+                <a:solidFill>
+                  <a:srgbClr val="FF0000"/>
+                </a:solidFill>
+                <a:highlight>
+                  <a:srgbClr val="FFFFFF"/>
+                </a:highlight>
+              </a:rPr>
+              <a:t>In which in-game or roster construction scenarios would the answer to Question 1 change? </a:t>
+            </a:r>
+            <a:r>
+              <a:rPr lang="en" sz="1500">
+                <a:solidFill>
+                  <a:srgbClr val="000000"/>
+                </a:solidFill>
+                <a:highlight>
+                  <a:srgbClr val="FFFFFF"/>
+                </a:highlight>
+              </a:rPr>
+              <a:t>Tackles cost less than Edges, both in the draft and in free agency, so if a team did not have the resources to get a premier Edge, finding a quality Tackle could be the next best option. In a situation where a team needed to prioritize stopping the run over the pass, Edge could become the most important. However, most analytics people would almost always want to encourage an opponent to run the ball more.</a:t>
+            </a:r>
+            <a:endParaRPr sz="1500">
+              <a:solidFill>
+                <a:srgbClr val="000000"/>
+              </a:solidFill>
+              <a:highlight>
+                <a:srgbClr val="FFFFFF"/>
+              </a:highlight>
+            </a:endParaRPr>
+          </a:p>
+        </p:txBody>
+      </p:sp>
     </p:spTree>
   </p:cSld>
   <p:clrMapOvr>
@@ -14318,7 +15692,15 @@
                   <a:srgbClr val="000000"/>
                 </a:solidFill>
               </a:rPr>
-              <a:t>Two models to assess the impact of a pressure on the play outcome. The first measures EPA/play. Turnovers and big plays by the offense have a disproportionate impact on average EPA. While one option would be to control for these plays since the noise may outweigh the benefits, it is also possible that which position the pressure comes from affects the </a:t>
+              <a:t>I fit t</a:t>
+            </a:r>
+            <a:r>
+              <a:rPr lang="en">
+                <a:solidFill>
+                  <a:srgbClr val="000000"/>
+                </a:solidFill>
+              </a:rPr>
+              <a:t>wo models to assess the impact of a pressure on the play outcome. The first measures EPA/play. Turnovers and big plays by the offense have a disproportionate impact on average EPA. While one option would be to control for these plays since the noise may outweigh the benefits, it is also possible that which position the pressure comes from affects the </a:t>
             </a:r>
             <a:r>
               <a:rPr lang="en">
@@ -14334,7 +15716,7 @@
                   <a:srgbClr val="000000"/>
                 </a:solidFill>
               </a:rPr>
-              <a:t> of these high impact plays. For that reason, I fit two models, one with the dependent variable as EPA and the other as Success (binary variable for whether EPA was positive or not). Both models suggested that Edge pressures have the most impact on the result of the pass play. </a:t>
+              <a:t> of these high impact plays. For that reason, I fit two models, one with the dependent variable as EPA and the other as Success (binary variable for whether EPA was positive or not). Both models suggested that Edge pressures have the most impact on the result of the pass play. Next, I will use a mixed effects model to estimate each player’s ability to generate pressure.</a:t>
             </a:r>
             <a:endParaRPr>
               <a:solidFill>
@@ -14806,6 +16188,285 @@
 </file>
 
 <file path=ppt/theme/theme1.xml><?xml version="1.0" encoding="utf-8"?>
+<a:theme xmlns:a="http://schemas.openxmlformats.org/drawingml/2006/main" xmlns:r="http://schemas.openxmlformats.org/officeDocument/2006/relationships">
+  <a:themeElements>
+    <a:clrScheme name="Default">
+      <a:dk1>
+        <a:srgbClr val="000000"/>
+      </a:dk1>
+      <a:lt1>
+        <a:srgbClr val="FFFFFF"/>
+      </a:lt1>
+      <a:dk2>
+        <a:srgbClr val="158158"/>
+      </a:dk2>
+      <a:lt2>
+        <a:srgbClr val="F3F3F3"/>
+      </a:lt2>
+      <a:accent1>
+        <a:srgbClr val="058DC7"/>
+      </a:accent1>
+      <a:accent2>
+        <a:srgbClr val="50B432"/>
+      </a:accent2>
+      <a:accent3>
+        <a:srgbClr val="ED561B"/>
+      </a:accent3>
+      <a:accent4>
+        <a:srgbClr val="EDEF00"/>
+      </a:accent4>
+      <a:accent5>
+        <a:srgbClr val="24CBE5"/>
+      </a:accent5>
+      <a:accent6>
+        <a:srgbClr val="64E572"/>
+      </a:accent6>
+      <a:hlink>
+        <a:srgbClr val="2200CC"/>
+      </a:hlink>
+      <a:folHlink>
+        <a:srgbClr val="551A8B"/>
+      </a:folHlink>
+    </a:clrScheme>
+    <a:fontScheme name="Office">
+      <a:majorFont>
+        <a:latin typeface="Arial"/>
+        <a:ea typeface=""/>
+        <a:cs typeface=""/>
+        <a:font script="Jpan" typeface="ＭＳ Ｐゴシック"/>
+        <a:font script="Hang" typeface="맑은 고딕"/>
+        <a:font script="Hans" typeface="宋体"/>
+        <a:font script="Hant" typeface="新細明體"/>
+        <a:font script="Arab" typeface="Times New Roman"/>
+        <a:font script="Hebr" typeface="Times New Roman"/>
+        <a:font script="Thai" typeface="Angsana New"/>
+        <a:font script="Ethi" typeface="Nyala"/>
+        <a:font script="Beng" typeface="Vrinda"/>
+        <a:font script="Gujr" typeface="Shruti"/>
+        <a:font script="Khmr" typeface="MoolBoran"/>
+        <a:font script="Knda" typeface="Tunga"/>
+        <a:font script="Guru" typeface="Raavi"/>
+        <a:font script="Cans" typeface="Euphemia"/>
+        <a:font script="Cher" typeface="Plantagenet Cherokee"/>
+        <a:font script="Yiii" typeface="Microsoft Yi Baiti"/>
+        <a:font script="Tibt" typeface="Microsoft Himalaya"/>
+        <a:font script="Thaa" typeface="MV Boli"/>
+        <a:font script="Deva" typeface="Mangal"/>
+        <a:font script="Telu" typeface="Gautami"/>
+        <a:font script="Taml" typeface="Latha"/>
+        <a:font script="Syrc" typeface="Estrangelo Edessa"/>
+        <a:font script="Orya" typeface="Kalinga"/>
+        <a:font script="Mlym" typeface="Kartika"/>
+        <a:font script="Laoo" typeface="DokChampa"/>
+        <a:font script="Sinh" typeface="Iskoola Pota"/>
+        <a:font script="Mong" typeface="Mongolian Baiti"/>
+        <a:font script="Viet" typeface="Times New Roman"/>
+        <a:font script="Uigh" typeface="Microsoft Uighur"/>
+        <a:font script="Geor" typeface="Sylfaen"/>
+      </a:majorFont>
+      <a:minorFont>
+        <a:latin typeface="Arial"/>
+        <a:ea typeface=""/>
+        <a:cs typeface=""/>
+        <a:font script="Jpan" typeface="ＭＳ Ｐゴシック"/>
+        <a:font script="Hang" typeface="맑은 고딕"/>
+        <a:font script="Hans" typeface="宋体"/>
+        <a:font script="Hant" typeface="新細明體"/>
+        <a:font script="Arab" typeface="Arial"/>
+        <a:font script="Hebr" typeface="Arial"/>
+        <a:font script="Thai" typeface="Cordia New"/>
+        <a:font script="Ethi" typeface="Nyala"/>
+        <a:font script="Beng" typeface="Vrinda"/>
+        <a:font script="Gujr" typeface="Shruti"/>
+        <a:font script="Khmr" typeface="DaunPenh"/>
+        <a:font script="Knda" typeface="Tunga"/>
+        <a:font script="Guru" typeface="Raavi"/>
+        <a:font script="Cans" typeface="Euphemia"/>
+        <a:font script="Cher" typeface="Plantagenet Cherokee"/>
+        <a:font script="Yiii" typeface="Microsoft Yi Baiti"/>
+        <a:font script="Tibt" typeface="Microsoft Himalaya"/>
+        <a:font script="Thaa" typeface="MV Boli"/>
+        <a:font script="Deva" typeface="Mangal"/>
+        <a:font script="Telu" typeface="Gautami"/>
+        <a:font script="Taml" typeface="Latha"/>
+        <a:font script="Syrc" typeface="Estrangelo Edessa"/>
+        <a:font script="Orya" typeface="Kalinga"/>
+        <a:font script="Mlym" typeface="Kartika"/>
+        <a:font script="Laoo" typeface="DokChampa"/>
+        <a:font script="Sinh" typeface="Iskoola Pota"/>
+        <a:font script="Mong" typeface="Mongolian Baiti"/>
+        <a:font script="Viet" typeface="Arial"/>
+        <a:font script="Uigh" typeface="Microsoft Uighur"/>
+        <a:font script="Geor" typeface="Sylfaen"/>
+      </a:minorFont>
+    </a:fontScheme>
+    <a:fmtScheme name="Office">
+      <a:fillStyleLst>
+        <a:solidFill>
+          <a:schemeClr val="phClr"/>
+        </a:solidFill>
+        <a:gradFill rotWithShape="1">
+          <a:gsLst>
+            <a:gs pos="0">
+              <a:schemeClr val="phClr">
+                <a:tint val="50000"/>
+                <a:satMod val="300000"/>
+              </a:schemeClr>
+            </a:gs>
+            <a:gs pos="35000">
+              <a:schemeClr val="phClr">
+                <a:tint val="37000"/>
+                <a:satMod val="300000"/>
+              </a:schemeClr>
+            </a:gs>
+            <a:gs pos="100000">
+              <a:schemeClr val="phClr">
+                <a:tint val="15000"/>
+                <a:satMod val="350000"/>
+              </a:schemeClr>
+            </a:gs>
+          </a:gsLst>
+          <a:lin ang="16200000" scaled="1"/>
+        </a:gradFill>
+        <a:gradFill rotWithShape="1">
+          <a:gsLst>
+            <a:gs pos="0">
+              <a:schemeClr val="phClr">
+                <a:tint val="100000"/>
+                <a:shade val="100000"/>
+                <a:satMod val="130000"/>
+              </a:schemeClr>
+            </a:gs>
+            <a:gs pos="100000">
+              <a:schemeClr val="phClr">
+                <a:tint val="50000"/>
+                <a:shade val="100000"/>
+                <a:satMod val="350000"/>
+              </a:schemeClr>
+            </a:gs>
+          </a:gsLst>
+          <a:lin ang="16200000" scaled="0"/>
+        </a:gradFill>
+      </a:fillStyleLst>
+      <a:lnStyleLst>
+        <a:ln w="9525" cap="flat" cmpd="sng" algn="ctr">
+          <a:solidFill>
+            <a:schemeClr val="phClr">
+              <a:shade val="95000"/>
+              <a:satMod val="105000"/>
+            </a:schemeClr>
+          </a:solidFill>
+          <a:prstDash val="solid"/>
+        </a:ln>
+        <a:ln w="25400" cap="flat" cmpd="sng" algn="ctr">
+          <a:solidFill>
+            <a:schemeClr val="phClr"/>
+          </a:solidFill>
+          <a:prstDash val="solid"/>
+        </a:ln>
+        <a:ln w="38100" cap="flat" cmpd="sng" algn="ctr">
+          <a:solidFill>
+            <a:schemeClr val="phClr"/>
+          </a:solidFill>
+          <a:prstDash val="solid"/>
+        </a:ln>
+      </a:lnStyleLst>
+      <a:effectStyleLst>
+        <a:effectStyle>
+          <a:effectLst>
+            <a:outerShdw blurRad="40000" dist="20000" dir="5400000" rotWithShape="0">
+              <a:srgbClr val="000000">
+                <a:alpha val="38000"/>
+              </a:srgbClr>
+            </a:outerShdw>
+          </a:effectLst>
+        </a:effectStyle>
+        <a:effectStyle>
+          <a:effectLst>
+            <a:outerShdw blurRad="40000" dist="23000" dir="5400000" rotWithShape="0">
+              <a:srgbClr val="000000">
+                <a:alpha val="35000"/>
+              </a:srgbClr>
+            </a:outerShdw>
+          </a:effectLst>
+        </a:effectStyle>
+        <a:effectStyle>
+          <a:effectLst>
+            <a:outerShdw blurRad="40000" dist="23000" dir="5400000" rotWithShape="0">
+              <a:srgbClr val="000000">
+                <a:alpha val="35000"/>
+              </a:srgbClr>
+            </a:outerShdw>
+          </a:effectLst>
+          <a:scene3d>
+            <a:camera prst="orthographicFront">
+              <a:rot lat="0" lon="0" rev="0"/>
+            </a:camera>
+            <a:lightRig rig="threePt" dir="t">
+              <a:rot lat="0" lon="0" rev="1200000"/>
+            </a:lightRig>
+          </a:scene3d>
+          <a:sp3d>
+            <a:bevelT w="63500" h="25400"/>
+          </a:sp3d>
+        </a:effectStyle>
+      </a:effectStyleLst>
+      <a:bgFillStyleLst>
+        <a:solidFill>
+          <a:schemeClr val="phClr"/>
+        </a:solidFill>
+        <a:gradFill rotWithShape="1">
+          <a:gsLst>
+            <a:gs pos="0">
+              <a:schemeClr val="phClr">
+                <a:tint val="40000"/>
+                <a:satMod val="350000"/>
+              </a:schemeClr>
+            </a:gs>
+            <a:gs pos="40000">
+              <a:schemeClr val="phClr">
+                <a:tint val="45000"/>
+                <a:shade val="99000"/>
+                <a:satMod val="350000"/>
+              </a:schemeClr>
+            </a:gs>
+            <a:gs pos="100000">
+              <a:schemeClr val="phClr">
+                <a:shade val="20000"/>
+                <a:satMod val="255000"/>
+              </a:schemeClr>
+            </a:gs>
+          </a:gsLst>
+          <a:path path="circle">
+            <a:fillToRect l="50000" t="-80000" r="50000" b="180000"/>
+          </a:path>
+        </a:gradFill>
+        <a:gradFill rotWithShape="1">
+          <a:gsLst>
+            <a:gs pos="0">
+              <a:schemeClr val="phClr">
+                <a:tint val="80000"/>
+                <a:satMod val="300000"/>
+              </a:schemeClr>
+            </a:gs>
+            <a:gs pos="100000">
+              <a:schemeClr val="phClr">
+                <a:shade val="30000"/>
+                <a:satMod val="200000"/>
+              </a:schemeClr>
+            </a:gs>
+          </a:gsLst>
+          <a:path path="circle">
+            <a:fillToRect l="50000" t="50000" r="50000" b="50000"/>
+          </a:path>
+        </a:gradFill>
+      </a:bgFillStyleLst>
+    </a:fmtScheme>
+  </a:themeElements>
+</a:theme>
+</file>
+
+<file path=ppt/theme/theme2.xml><?xml version="1.0" encoding="utf-8"?>
 <a:theme xmlns:a="http://schemas.openxmlformats.org/drawingml/2006/main" xmlns:r="http://schemas.openxmlformats.org/officeDocument/2006/relationships" name="Simple Light">
   <a:themeElements>
     <a:clrScheme name="Simple Light">
@@ -15082,283 +16743,4 @@
     </a:fmtScheme>
   </a:themeElements>
 </a:theme>
-</file>
-
-<file path=ppt/theme/theme2.xml><?xml version="1.0" encoding="utf-8"?>
-<a:theme xmlns:a="http://schemas.openxmlformats.org/drawingml/2006/main" xmlns:r="http://schemas.openxmlformats.org/officeDocument/2006/relationships">
-  <a:themeElements>
-    <a:clrScheme name="Default">
-      <a:dk1>
-        <a:srgbClr val="000000"/>
-      </a:dk1>
-      <a:lt1>
-        <a:srgbClr val="FFFFFF"/>
-      </a:lt1>
-      <a:dk2>
-        <a:srgbClr val="158158"/>
-      </a:dk2>
-      <a:lt2>
-        <a:srgbClr val="F3F3F3"/>
-      </a:lt2>
-      <a:accent1>
-        <a:srgbClr val="058DC7"/>
-      </a:accent1>
-      <a:accent2>
-        <a:srgbClr val="50B432"/>
-      </a:accent2>
-      <a:accent3>
-        <a:srgbClr val="ED561B"/>
-      </a:accent3>
-      <a:accent4>
-        <a:srgbClr val="EDEF00"/>
-      </a:accent4>
-      <a:accent5>
-        <a:srgbClr val="24CBE5"/>
-      </a:accent5>
-      <a:accent6>
-        <a:srgbClr val="64E572"/>
-      </a:accent6>
-      <a:hlink>
-        <a:srgbClr val="2200CC"/>
-      </a:hlink>
-      <a:folHlink>
-        <a:srgbClr val="551A8B"/>
-      </a:folHlink>
-    </a:clrScheme>
-    <a:fontScheme name="Office">
-      <a:majorFont>
-        <a:latin typeface="Arial"/>
-        <a:ea typeface=""/>
-        <a:cs typeface=""/>
-        <a:font script="Jpan" typeface="ＭＳ Ｐゴシック"/>
-        <a:font script="Hang" typeface="맑은 고딕"/>
-        <a:font script="Hans" typeface="宋体"/>
-        <a:font script="Hant" typeface="新細明體"/>
-        <a:font script="Arab" typeface="Times New Roman"/>
-        <a:font script="Hebr" typeface="Times New Roman"/>
-        <a:font script="Thai" typeface="Angsana New"/>
-        <a:font script="Ethi" typeface="Nyala"/>
-        <a:font script="Beng" typeface="Vrinda"/>
-        <a:font script="Gujr" typeface="Shruti"/>
-        <a:font script="Khmr" typeface="MoolBoran"/>
-        <a:font script="Knda" typeface="Tunga"/>
-        <a:font script="Guru" typeface="Raavi"/>
-        <a:font script="Cans" typeface="Euphemia"/>
-        <a:font script="Cher" typeface="Plantagenet Cherokee"/>
-        <a:font script="Yiii" typeface="Microsoft Yi Baiti"/>
-        <a:font script="Tibt" typeface="Microsoft Himalaya"/>
-        <a:font script="Thaa" typeface="MV Boli"/>
-        <a:font script="Deva" typeface="Mangal"/>
-        <a:font script="Telu" typeface="Gautami"/>
-        <a:font script="Taml" typeface="Latha"/>
-        <a:font script="Syrc" typeface="Estrangelo Edessa"/>
-        <a:font script="Orya" typeface="Kalinga"/>
-        <a:font script="Mlym" typeface="Kartika"/>
-        <a:font script="Laoo" typeface="DokChampa"/>
-        <a:font script="Sinh" typeface="Iskoola Pota"/>
-        <a:font script="Mong" typeface="Mongolian Baiti"/>
-        <a:font script="Viet" typeface="Times New Roman"/>
-        <a:font script="Uigh" typeface="Microsoft Uighur"/>
-        <a:font script="Geor" typeface="Sylfaen"/>
-      </a:majorFont>
-      <a:minorFont>
-        <a:latin typeface="Arial"/>
-        <a:ea typeface=""/>
-        <a:cs typeface=""/>
-        <a:font script="Jpan" typeface="ＭＳ Ｐゴシック"/>
-        <a:font script="Hang" typeface="맑은 고딕"/>
-        <a:font script="Hans" typeface="宋体"/>
-        <a:font script="Hant" typeface="新細明體"/>
-        <a:font script="Arab" typeface="Arial"/>
-        <a:font script="Hebr" typeface="Arial"/>
-        <a:font script="Thai" typeface="Cordia New"/>
-        <a:font script="Ethi" typeface="Nyala"/>
-        <a:font script="Beng" typeface="Vrinda"/>
-        <a:font script="Gujr" typeface="Shruti"/>
-        <a:font script="Khmr" typeface="DaunPenh"/>
-        <a:font script="Knda" typeface="Tunga"/>
-        <a:font script="Guru" typeface="Raavi"/>
-        <a:font script="Cans" typeface="Euphemia"/>
-        <a:font script="Cher" typeface="Plantagenet Cherokee"/>
-        <a:font script="Yiii" typeface="Microsoft Yi Baiti"/>
-        <a:font script="Tibt" typeface="Microsoft Himalaya"/>
-        <a:font script="Thaa" typeface="MV Boli"/>
-        <a:font script="Deva" typeface="Mangal"/>
-        <a:font script="Telu" typeface="Gautami"/>
-        <a:font script="Taml" typeface="Latha"/>
-        <a:font script="Syrc" typeface="Estrangelo Edessa"/>
-        <a:font script="Orya" typeface="Kalinga"/>
-        <a:font script="Mlym" typeface="Kartika"/>
-        <a:font script="Laoo" typeface="DokChampa"/>
-        <a:font script="Sinh" typeface="Iskoola Pota"/>
-        <a:font script="Mong" typeface="Mongolian Baiti"/>
-        <a:font script="Viet" typeface="Arial"/>
-        <a:font script="Uigh" typeface="Microsoft Uighur"/>
-        <a:font script="Geor" typeface="Sylfaen"/>
-      </a:minorFont>
-    </a:fontScheme>
-    <a:fmtScheme name="Office">
-      <a:fillStyleLst>
-        <a:solidFill>
-          <a:schemeClr val="phClr"/>
-        </a:solidFill>
-        <a:gradFill rotWithShape="1">
-          <a:gsLst>
-            <a:gs pos="0">
-              <a:schemeClr val="phClr">
-                <a:tint val="50000"/>
-                <a:satMod val="300000"/>
-              </a:schemeClr>
-            </a:gs>
-            <a:gs pos="35000">
-              <a:schemeClr val="phClr">
-                <a:tint val="37000"/>
-                <a:satMod val="300000"/>
-              </a:schemeClr>
-            </a:gs>
-            <a:gs pos="100000">
-              <a:schemeClr val="phClr">
-                <a:tint val="15000"/>
-                <a:satMod val="350000"/>
-              </a:schemeClr>
-            </a:gs>
-          </a:gsLst>
-          <a:lin ang="16200000" scaled="1"/>
-        </a:gradFill>
-        <a:gradFill rotWithShape="1">
-          <a:gsLst>
-            <a:gs pos="0">
-              <a:schemeClr val="phClr">
-                <a:tint val="100000"/>
-                <a:shade val="100000"/>
-                <a:satMod val="130000"/>
-              </a:schemeClr>
-            </a:gs>
-            <a:gs pos="100000">
-              <a:schemeClr val="phClr">
-                <a:tint val="50000"/>
-                <a:shade val="100000"/>
-                <a:satMod val="350000"/>
-              </a:schemeClr>
-            </a:gs>
-          </a:gsLst>
-          <a:lin ang="16200000" scaled="0"/>
-        </a:gradFill>
-      </a:fillStyleLst>
-      <a:lnStyleLst>
-        <a:ln w="9525" cap="flat" cmpd="sng" algn="ctr">
-          <a:solidFill>
-            <a:schemeClr val="phClr">
-              <a:shade val="95000"/>
-              <a:satMod val="105000"/>
-            </a:schemeClr>
-          </a:solidFill>
-          <a:prstDash val="solid"/>
-        </a:ln>
-        <a:ln w="25400" cap="flat" cmpd="sng" algn="ctr">
-          <a:solidFill>
-            <a:schemeClr val="phClr"/>
-          </a:solidFill>
-          <a:prstDash val="solid"/>
-        </a:ln>
-        <a:ln w="38100" cap="flat" cmpd="sng" algn="ctr">
-          <a:solidFill>
-            <a:schemeClr val="phClr"/>
-          </a:solidFill>
-          <a:prstDash val="solid"/>
-        </a:ln>
-      </a:lnStyleLst>
-      <a:effectStyleLst>
-        <a:effectStyle>
-          <a:effectLst>
-            <a:outerShdw blurRad="40000" dist="20000" dir="5400000" rotWithShape="0">
-              <a:srgbClr val="000000">
-                <a:alpha val="38000"/>
-              </a:srgbClr>
-            </a:outerShdw>
-          </a:effectLst>
-        </a:effectStyle>
-        <a:effectStyle>
-          <a:effectLst>
-            <a:outerShdw blurRad="40000" dist="23000" dir="5400000" rotWithShape="0">
-              <a:srgbClr val="000000">
-                <a:alpha val="35000"/>
-              </a:srgbClr>
-            </a:outerShdw>
-          </a:effectLst>
-        </a:effectStyle>
-        <a:effectStyle>
-          <a:effectLst>
-            <a:outerShdw blurRad="40000" dist="23000" dir="5400000" rotWithShape="0">
-              <a:srgbClr val="000000">
-                <a:alpha val="35000"/>
-              </a:srgbClr>
-            </a:outerShdw>
-          </a:effectLst>
-          <a:scene3d>
-            <a:camera prst="orthographicFront">
-              <a:rot lat="0" lon="0" rev="0"/>
-            </a:camera>
-            <a:lightRig rig="threePt" dir="t">
-              <a:rot lat="0" lon="0" rev="1200000"/>
-            </a:lightRig>
-          </a:scene3d>
-          <a:sp3d>
-            <a:bevelT w="63500" h="25400"/>
-          </a:sp3d>
-        </a:effectStyle>
-      </a:effectStyleLst>
-      <a:bgFillStyleLst>
-        <a:solidFill>
-          <a:schemeClr val="phClr"/>
-        </a:solidFill>
-        <a:gradFill rotWithShape="1">
-          <a:gsLst>
-            <a:gs pos="0">
-              <a:schemeClr val="phClr">
-                <a:tint val="40000"/>
-                <a:satMod val="350000"/>
-              </a:schemeClr>
-            </a:gs>
-            <a:gs pos="40000">
-              <a:schemeClr val="phClr">
-                <a:tint val="45000"/>
-                <a:shade val="99000"/>
-                <a:satMod val="350000"/>
-              </a:schemeClr>
-            </a:gs>
-            <a:gs pos="100000">
-              <a:schemeClr val="phClr">
-                <a:shade val="20000"/>
-                <a:satMod val="255000"/>
-              </a:schemeClr>
-            </a:gs>
-          </a:gsLst>
-          <a:path path="circle">
-            <a:fillToRect l="50000" t="-80000" r="50000" b="180000"/>
-          </a:path>
-        </a:gradFill>
-        <a:gradFill rotWithShape="1">
-          <a:gsLst>
-            <a:gs pos="0">
-              <a:schemeClr val="phClr">
-                <a:tint val="80000"/>
-                <a:satMod val="300000"/>
-              </a:schemeClr>
-            </a:gs>
-            <a:gs pos="100000">
-              <a:schemeClr val="phClr">
-                <a:shade val="30000"/>
-                <a:satMod val="200000"/>
-              </a:schemeClr>
-            </a:gs>
-          </a:gsLst>
-          <a:path path="circle">
-            <a:fillToRect l="50000" t="50000" r="50000" b="50000"/>
-          </a:path>
-        </a:gradFill>
-      </a:bgFillStyleLst>
-    </a:fmtScheme>
-  </a:themeElements>
-</a:theme>
 </file>